--- a/Oral Examination.pptx
+++ b/Oral Examination.pptx
@@ -4520,6 +4520,80 @@
           <a:lstStyle/>
           <a:p>
             <a:endParaRPr lang="zh-CN" altLang="en-US"/>
+          </a:p>
+        </p:txBody>
+      </p:sp>
+      <p:cxnSp>
+        <p:nvCxnSpPr>
+          <p:cNvPr id="10" name="直接箭头连接符 9">
+            <a:extLst>
+              <a:ext uri="{FF2B5EF4-FFF2-40B4-BE49-F238E27FC236}">
+                <a16:creationId xmlns:a16="http://schemas.microsoft.com/office/drawing/2014/main" id="{0357D619-2364-4E5F-BED0-45AE7C393B0A}"/>
+              </a:ext>
+            </a:extLst>
+          </p:cNvPr>
+          <p:cNvCxnSpPr/>
+          <p:nvPr/>
+        </p:nvCxnSpPr>
+        <p:spPr>
+          <a:xfrm>
+            <a:off x="4856085" y="4376691"/>
+            <a:ext cx="497150" cy="0"/>
+          </a:xfrm>
+          <a:prstGeom prst="straightConnector1">
+            <a:avLst/>
+          </a:prstGeom>
+          <a:ln>
+            <a:tailEnd type="triangle"/>
+          </a:ln>
+        </p:spPr>
+        <p:style>
+          <a:lnRef idx="1">
+            <a:schemeClr val="accent1"/>
+          </a:lnRef>
+          <a:fillRef idx="0">
+            <a:schemeClr val="accent1"/>
+          </a:fillRef>
+          <a:effectRef idx="0">
+            <a:schemeClr val="accent1"/>
+          </a:effectRef>
+          <a:fontRef idx="minor">
+            <a:schemeClr val="tx1"/>
+          </a:fontRef>
+        </p:style>
+      </p:cxnSp>
+      <p:sp>
+        <p:nvSpPr>
+          <p:cNvPr id="11" name="文本框 10">
+            <a:extLst>
+              <a:ext uri="{FF2B5EF4-FFF2-40B4-BE49-F238E27FC236}">
+                <a16:creationId xmlns:a16="http://schemas.microsoft.com/office/drawing/2014/main" id="{51603B90-AB3A-492A-9E92-DB27D483EAE2}"/>
+              </a:ext>
+            </a:extLst>
+          </p:cNvPr>
+          <p:cNvSpPr txBox="1"/>
+          <p:nvPr/>
+        </p:nvSpPr>
+        <p:spPr>
+          <a:xfrm>
+            <a:off x="5504155" y="4165392"/>
+            <a:ext cx="2370338" cy="369332"/>
+          </a:xfrm>
+          <a:prstGeom prst="rect">
+            <a:avLst/>
+          </a:prstGeom>
+        </p:spPr>
+        <p:txBody>
+          <a:bodyPr vert="horz" wrap="square" lIns="0" tIns="45720" rIns="91440" bIns="45720" rtlCol="0" anchor="ctr">
+            <a:spAutoFit/>
+          </a:bodyPr>
+          <a:lstStyle/>
+          <a:p>
+            <a:r>
+              <a:rPr lang="en-US" altLang="zh-CN" dirty="0"/>
+              <a:t>FOR QUESTIONNAIRE</a:t>
+            </a:r>
+            <a:endParaRPr lang="zh-CN" altLang="en-US" dirty="0"/>
           </a:p>
         </p:txBody>
       </p:sp>
@@ -4940,6 +5014,76 @@
                                   </p:childTnLst>
                                 </p:cTn>
                               </p:par>
+                              <p:par>
+                                <p:cTn id="32" presetID="10" presetClass="entr" presetSubtype="0" fill="hold" nodeType="withEffect">
+                                  <p:stCondLst>
+                                    <p:cond delay="0"/>
+                                  </p:stCondLst>
+                                  <p:childTnLst>
+                                    <p:set>
+                                      <p:cBhvr>
+                                        <p:cTn id="33" dur="1" fill="hold">
+                                          <p:stCondLst>
+                                            <p:cond delay="0"/>
+                                          </p:stCondLst>
+                                        </p:cTn>
+                                        <p:tgtEl>
+                                          <p:spTgt spid="10"/>
+                                        </p:tgtEl>
+                                        <p:attrNameLst>
+                                          <p:attrName>style.visibility</p:attrName>
+                                        </p:attrNameLst>
+                                      </p:cBhvr>
+                                      <p:to>
+                                        <p:strVal val="visible"/>
+                                      </p:to>
+                                    </p:set>
+                                    <p:animEffect transition="in" filter="fade">
+                                      <p:cBhvr>
+                                        <p:cTn id="34" dur="500"/>
+                                        <p:tgtEl>
+                                          <p:spTgt spid="10"/>
+                                        </p:tgtEl>
+                                      </p:cBhvr>
+                                    </p:animEffect>
+                                  </p:childTnLst>
+                                </p:cTn>
+                              </p:par>
+                              <p:par>
+                                <p:cTn id="35" presetID="10" presetClass="entr" presetSubtype="0" fill="hold" grpId="0" nodeType="withEffect">
+                                  <p:stCondLst>
+                                    <p:cond delay="0"/>
+                                  </p:stCondLst>
+                                  <p:childTnLst>
+                                    <p:set>
+                                      <p:cBhvr>
+                                        <p:cTn id="36" dur="1" fill="hold">
+                                          <p:stCondLst>
+                                            <p:cond delay="0"/>
+                                          </p:stCondLst>
+                                        </p:cTn>
+                                        <p:tgtEl>
+                                          <p:spTgt spid="11"/>
+                                        </p:tgtEl>
+                                        <p:attrNameLst>
+                                          <p:attrName>style.visibility</p:attrName>
+                                        </p:attrNameLst>
+                                      </p:cBhvr>
+                                      <p:to>
+                                        <p:strVal val="visible"/>
+                                      </p:to>
+                                    </p:set>
+                                    <p:animEffect transition="in" filter="fade">
+                                      <p:cBhvr>
+                                        <p:cTn id="37" dur="500"/>
+                                        <p:tgtEl>
+                                          <p:spTgt spid="11"/>
+                                        </p:tgtEl>
+                                      </p:cBhvr>
+                                    </p:animEffect>
+                                  </p:childTnLst>
+                                </p:cTn>
+                              </p:par>
                             </p:childTnLst>
                           </p:cTn>
                         </p:par>
@@ -4967,6 +5111,9 @@
         </p:cTn>
       </p:par>
     </p:tnLst>
+    <p:bldLst>
+      <p:bldP spid="11" grpId="0"/>
+    </p:bldLst>
   </p:timing>
 </p:sld>
 </file>
@@ -5046,13 +5193,19 @@
           <a:p>
             <a:r>
               <a:rPr lang="en-US" altLang="zh-CN" sz="2800" dirty="0"/>
-              <a:t>For different games, several specific questions are asked to get a more detailed results. </a:t>
-            </a:r>
-          </a:p>
-          <a:p>
+              <a:t>For different games, several </a:t>
+            </a:r>
+            <a:r>
+              <a:rPr lang="en-US" altLang="zh-CN" sz="2800" dirty="0">
+                <a:solidFill>
+                  <a:srgbClr val="FF0000"/>
+                </a:solidFill>
+              </a:rPr>
+              <a:t>specific</a:t>
+            </a:r>
             <a:r>
               <a:rPr lang="en-US" altLang="zh-CN" sz="2800" dirty="0"/>
-              <a:t>People choose at most four games and answer the questions according to the games they have chosen.</a:t>
+              <a:t> questions are asked to get a more detailed results. </a:t>
             </a:r>
           </a:p>
           <a:p>
@@ -5319,49 +5472,6 @@
                                           <p:spTgt spid="3">
                                             <p:txEl>
                                               <p:pRg st="2" end="2"/>
-                                            </p:txEl>
-                                          </p:spTgt>
-                                        </p:tgtEl>
-                                      </p:cBhvr>
-                                    </p:animEffect>
-                                  </p:childTnLst>
-                                </p:cTn>
-                              </p:par>
-                              <p:par>
-                                <p:cTn id="11" presetID="10" presetClass="entr" presetSubtype="0" fill="hold" nodeType="withEffect">
-                                  <p:stCondLst>
-                                    <p:cond delay="0"/>
-                                  </p:stCondLst>
-                                  <p:childTnLst>
-                                    <p:set>
-                                      <p:cBhvr>
-                                        <p:cTn id="12" dur="1" fill="hold">
-                                          <p:stCondLst>
-                                            <p:cond delay="0"/>
-                                          </p:stCondLst>
-                                        </p:cTn>
-                                        <p:tgtEl>
-                                          <p:spTgt spid="3">
-                                            <p:txEl>
-                                              <p:pRg st="3" end="3"/>
-                                            </p:txEl>
-                                          </p:spTgt>
-                                        </p:tgtEl>
-                                        <p:attrNameLst>
-                                          <p:attrName>style.visibility</p:attrName>
-                                        </p:attrNameLst>
-                                      </p:cBhvr>
-                                      <p:to>
-                                        <p:strVal val="visible"/>
-                                      </p:to>
-                                    </p:set>
-                                    <p:animEffect transition="in" filter="fade">
-                                      <p:cBhvr>
-                                        <p:cTn id="13" dur="500"/>
-                                        <p:tgtEl>
-                                          <p:spTgt spid="3">
-                                            <p:txEl>
-                                              <p:pRg st="3" end="3"/>
                                             </p:txEl>
                                           </p:spTgt>
                                         </p:tgtEl>
@@ -6711,33 +6821,15 @@
                                   </p:childTnLst>
                                 </p:cTn>
                               </p:par>
-                            </p:childTnLst>
-                          </p:cTn>
-                        </p:par>
-                      </p:childTnLst>
-                    </p:cTn>
-                  </p:par>
-                  <p:par>
-                    <p:cTn id="17" fill="hold">
-                      <p:stCondLst>
-                        <p:cond delay="indefinite"/>
-                      </p:stCondLst>
-                      <p:childTnLst>
-                        <p:par>
-                          <p:cTn id="18" fill="hold">
-                            <p:stCondLst>
-                              <p:cond delay="0"/>
-                            </p:stCondLst>
-                            <p:childTnLst>
                               <p:par>
-                                <p:cTn id="19" presetID="10" presetClass="entr" presetSubtype="0" fill="hold" grpId="0" nodeType="clickEffect">
+                                <p:cTn id="17" presetID="10" presetClass="entr" presetSubtype="0" fill="hold" grpId="0" nodeType="withEffect">
                                   <p:stCondLst>
                                     <p:cond delay="0"/>
                                   </p:stCondLst>
                                   <p:childTnLst>
                                     <p:set>
                                       <p:cBhvr>
-                                        <p:cTn id="20" dur="1" fill="hold">
+                                        <p:cTn id="18" dur="1" fill="hold">
                                           <p:stCondLst>
                                             <p:cond delay="0"/>
                                           </p:stCondLst>
@@ -6755,7 +6847,7 @@
                                     </p:set>
                                     <p:animEffect transition="in" filter="fade">
                                       <p:cBhvr>
-                                        <p:cTn id="21" dur="500"/>
+                                        <p:cTn id="19" dur="500"/>
                                         <p:tgtEl>
                                           <p:spTgt spid="2"/>
                                         </p:tgtEl>
@@ -10882,10 +10974,10 @@
       </p:sp>
       <p:pic>
         <p:nvPicPr>
-          <p:cNvPr id="12" name="图片 11">
-            <a:extLst>
-              <a:ext uri="{FF2B5EF4-FFF2-40B4-BE49-F238E27FC236}">
-                <a16:creationId xmlns:a16="http://schemas.microsoft.com/office/drawing/2014/main" id="{4E89B75B-9B6B-4397-B46C-7B0E1D3F26DE}"/>
+          <p:cNvPr id="13" name="图片 12">
+            <a:extLst>
+              <a:ext uri="{FF2B5EF4-FFF2-40B4-BE49-F238E27FC236}">
+                <a16:creationId xmlns:a16="http://schemas.microsoft.com/office/drawing/2014/main" id="{7A1C8828-8647-449F-BEF9-4AAC7515048F}"/>
               </a:ext>
             </a:extLst>
           </p:cNvPr>
@@ -10896,36 +10988,6 @@
         </p:nvPicPr>
         <p:blipFill>
           <a:blip r:embed="rId2"/>
-          <a:stretch>
-            <a:fillRect/>
-          </a:stretch>
-        </p:blipFill>
-        <p:spPr>
-          <a:xfrm>
-            <a:off x="1989066" y="2931256"/>
-            <a:ext cx="4526672" cy="3109229"/>
-          </a:xfrm>
-          <a:prstGeom prst="rect">
-            <a:avLst/>
-          </a:prstGeom>
-        </p:spPr>
-      </p:pic>
-      <p:pic>
-        <p:nvPicPr>
-          <p:cNvPr id="13" name="图片 12">
-            <a:extLst>
-              <a:ext uri="{FF2B5EF4-FFF2-40B4-BE49-F238E27FC236}">
-                <a16:creationId xmlns:a16="http://schemas.microsoft.com/office/drawing/2014/main" id="{7A1C8828-8647-449F-BEF9-4AAC7515048F}"/>
-              </a:ext>
-            </a:extLst>
-          </p:cNvPr>
-          <p:cNvPicPr>
-            <a:picLocks noChangeAspect="1"/>
-          </p:cNvPicPr>
-          <p:nvPr/>
-        </p:nvPicPr>
-        <p:blipFill>
-          <a:blip r:embed="rId3"/>
           <a:stretch>
             <a:fillRect/>
           </a:stretch>
@@ -10940,6 +11002,101 @@
           </a:prstGeom>
         </p:spPr>
       </p:pic>
+      <p:pic>
+        <p:nvPicPr>
+          <p:cNvPr id="10" name="图片 9">
+            <a:extLst>
+              <a:ext uri="{FF2B5EF4-FFF2-40B4-BE49-F238E27FC236}">
+                <a16:creationId xmlns:a16="http://schemas.microsoft.com/office/drawing/2014/main" id="{F229F61C-D831-4A78-BC83-384721A1096E}"/>
+              </a:ext>
+            </a:extLst>
+          </p:cNvPr>
+          <p:cNvPicPr>
+            <a:picLocks noChangeAspect="1"/>
+          </p:cNvPicPr>
+          <p:nvPr/>
+        </p:nvPicPr>
+        <p:blipFill>
+          <a:blip r:embed="rId3"/>
+          <a:stretch>
+            <a:fillRect/>
+          </a:stretch>
+        </p:blipFill>
+        <p:spPr>
+          <a:xfrm>
+            <a:off x="789600" y="3008177"/>
+            <a:ext cx="4839119" cy="3002540"/>
+          </a:xfrm>
+          <a:prstGeom prst="rect">
+            <a:avLst/>
+          </a:prstGeom>
+        </p:spPr>
+      </p:pic>
+      <p:pic>
+        <p:nvPicPr>
+          <p:cNvPr id="11" name="图片 10">
+            <a:extLst>
+              <a:ext uri="{FF2B5EF4-FFF2-40B4-BE49-F238E27FC236}">
+                <a16:creationId xmlns:a16="http://schemas.microsoft.com/office/drawing/2014/main" id="{56C501B3-A63D-43DB-8F38-DBB09389B41B}"/>
+              </a:ext>
+            </a:extLst>
+          </p:cNvPr>
+          <p:cNvPicPr>
+            <a:picLocks noChangeAspect="1"/>
+          </p:cNvPicPr>
+          <p:nvPr/>
+        </p:nvPicPr>
+        <p:blipFill>
+          <a:blip r:embed="rId4"/>
+          <a:stretch>
+            <a:fillRect/>
+          </a:stretch>
+        </p:blipFill>
+        <p:spPr>
+          <a:xfrm>
+            <a:off x="6331641" y="3812156"/>
+            <a:ext cx="1592718" cy="1394581"/>
+          </a:xfrm>
+          <a:prstGeom prst="rect">
+            <a:avLst/>
+          </a:prstGeom>
+        </p:spPr>
+      </p:pic>
+      <p:sp>
+        <p:nvSpPr>
+          <p:cNvPr id="14" name="文本框 13">
+            <a:extLst>
+              <a:ext uri="{FF2B5EF4-FFF2-40B4-BE49-F238E27FC236}">
+                <a16:creationId xmlns:a16="http://schemas.microsoft.com/office/drawing/2014/main" id="{7C8DB2C4-0203-43F9-A1DB-A7DBC0D79975}"/>
+              </a:ext>
+            </a:extLst>
+          </p:cNvPr>
+          <p:cNvSpPr txBox="1"/>
+          <p:nvPr/>
+        </p:nvSpPr>
+        <p:spPr>
+          <a:xfrm>
+            <a:off x="7479365" y="1946080"/>
+            <a:ext cx="444994" cy="369332"/>
+          </a:xfrm>
+          <a:prstGeom prst="rect">
+            <a:avLst/>
+          </a:prstGeom>
+        </p:spPr>
+        <p:txBody>
+          <a:bodyPr vert="horz" wrap="none" lIns="0" tIns="45720" rIns="91440" bIns="45720" rtlCol="0" anchor="ctr">
+            <a:spAutoFit/>
+          </a:bodyPr>
+          <a:lstStyle/>
+          <a:p>
+            <a:r>
+              <a:rPr lang="en-US" altLang="zh-CN" dirty="0"/>
+              <a:t>P35</a:t>
+            </a:r>
+            <a:endParaRPr lang="zh-CN" altLang="en-US" dirty="0"/>
+          </a:p>
+        </p:txBody>
+      </p:sp>
     </p:spTree>
     <p:extLst>
       <p:ext uri="{BB962C8B-B14F-4D97-AF65-F5344CB8AC3E}">
@@ -11537,6 +11694,36 @@
           </a:prstGeom>
         </p:spPr>
       </p:pic>
+      <p:pic>
+        <p:nvPicPr>
+          <p:cNvPr id="9" name="图片 8">
+            <a:extLst>
+              <a:ext uri="{FF2B5EF4-FFF2-40B4-BE49-F238E27FC236}">
+                <a16:creationId xmlns:a16="http://schemas.microsoft.com/office/drawing/2014/main" id="{B7352820-931B-442E-8CF0-279C211FA5CD}"/>
+              </a:ext>
+            </a:extLst>
+          </p:cNvPr>
+          <p:cNvPicPr>
+            <a:picLocks noChangeAspect="1"/>
+          </p:cNvPicPr>
+          <p:nvPr/>
+        </p:nvPicPr>
+        <p:blipFill>
+          <a:blip r:embed="rId4"/>
+          <a:stretch>
+            <a:fillRect/>
+          </a:stretch>
+        </p:blipFill>
+        <p:spPr>
+          <a:xfrm>
+            <a:off x="2216484" y="4003436"/>
+            <a:ext cx="4404742" cy="2408129"/>
+          </a:xfrm>
+          <a:prstGeom prst="rect">
+            <a:avLst/>
+          </a:prstGeom>
+        </p:spPr>
+      </p:pic>
     </p:spTree>
     <p:extLst>
       <p:ext uri="{BB962C8B-B14F-4D97-AF65-F5344CB8AC3E}">
@@ -11547,6 +11734,218 @@
   <p:clrMapOvr>
     <a:masterClrMapping/>
   </p:clrMapOvr>
+  <p:timing>
+    <p:tnLst>
+      <p:par>
+        <p:cTn id="1" dur="indefinite" restart="never" nodeType="tmRoot">
+          <p:childTnLst>
+            <p:seq concurrent="1" nextAc="seek">
+              <p:cTn id="2" dur="indefinite" nodeType="mainSeq">
+                <p:childTnLst>
+                  <p:par>
+                    <p:cTn id="3" fill="hold">
+                      <p:stCondLst>
+                        <p:cond delay="indefinite"/>
+                      </p:stCondLst>
+                      <p:childTnLst>
+                        <p:par>
+                          <p:cTn id="4" fill="hold">
+                            <p:stCondLst>
+                              <p:cond delay="0"/>
+                            </p:stCondLst>
+                            <p:childTnLst>
+                              <p:par>
+                                <p:cTn id="5" presetID="2" presetClass="entr" presetSubtype="4" fill="hold" nodeType="clickEffect">
+                                  <p:stCondLst>
+                                    <p:cond delay="0"/>
+                                  </p:stCondLst>
+                                  <p:childTnLst>
+                                    <p:set>
+                                      <p:cBhvr>
+                                        <p:cTn id="6" dur="1" fill="hold">
+                                          <p:stCondLst>
+                                            <p:cond delay="0"/>
+                                          </p:stCondLst>
+                                        </p:cTn>
+                                        <p:tgtEl>
+                                          <p:spTgt spid="9"/>
+                                        </p:tgtEl>
+                                        <p:attrNameLst>
+                                          <p:attrName>style.visibility</p:attrName>
+                                        </p:attrNameLst>
+                                      </p:cBhvr>
+                                      <p:to>
+                                        <p:strVal val="visible"/>
+                                      </p:to>
+                                    </p:set>
+                                    <p:anim calcmode="lin" valueType="num">
+                                      <p:cBhvr additive="base">
+                                        <p:cTn id="7" dur="500" fill="hold"/>
+                                        <p:tgtEl>
+                                          <p:spTgt spid="9"/>
+                                        </p:tgtEl>
+                                        <p:attrNameLst>
+                                          <p:attrName>ppt_x</p:attrName>
+                                        </p:attrNameLst>
+                                      </p:cBhvr>
+                                      <p:tavLst>
+                                        <p:tav tm="0">
+                                          <p:val>
+                                            <p:strVal val="#ppt_x"/>
+                                          </p:val>
+                                        </p:tav>
+                                        <p:tav tm="100000">
+                                          <p:val>
+                                            <p:strVal val="#ppt_x"/>
+                                          </p:val>
+                                        </p:tav>
+                                      </p:tavLst>
+                                    </p:anim>
+                                    <p:anim calcmode="lin" valueType="num">
+                                      <p:cBhvr additive="base">
+                                        <p:cTn id="8" dur="500" fill="hold"/>
+                                        <p:tgtEl>
+                                          <p:spTgt spid="9"/>
+                                        </p:tgtEl>
+                                        <p:attrNameLst>
+                                          <p:attrName>ppt_y</p:attrName>
+                                        </p:attrNameLst>
+                                      </p:cBhvr>
+                                      <p:tavLst>
+                                        <p:tav tm="0">
+                                          <p:val>
+                                            <p:strVal val="1+#ppt_h/2"/>
+                                          </p:val>
+                                        </p:tav>
+                                        <p:tav tm="100000">
+                                          <p:val>
+                                            <p:strVal val="#ppt_y"/>
+                                          </p:val>
+                                        </p:tav>
+                                      </p:tavLst>
+                                    </p:anim>
+                                  </p:childTnLst>
+                                </p:cTn>
+                              </p:par>
+                            </p:childTnLst>
+                          </p:cTn>
+                        </p:par>
+                      </p:childTnLst>
+                    </p:cTn>
+                  </p:par>
+                  <p:par>
+                    <p:cTn id="9" fill="hold">
+                      <p:stCondLst>
+                        <p:cond delay="indefinite"/>
+                      </p:stCondLst>
+                      <p:childTnLst>
+                        <p:par>
+                          <p:cTn id="10" fill="hold">
+                            <p:stCondLst>
+                              <p:cond delay="0"/>
+                            </p:stCondLst>
+                            <p:childTnLst>
+                              <p:par>
+                                <p:cTn id="11" presetID="2" presetClass="exit" presetSubtype="4" fill="hold" nodeType="clickEffect">
+                                  <p:stCondLst>
+                                    <p:cond delay="0"/>
+                                  </p:stCondLst>
+                                  <p:childTnLst>
+                                    <p:anim calcmode="lin" valueType="num">
+                                      <p:cBhvr additive="base">
+                                        <p:cTn id="12" dur="500"/>
+                                        <p:tgtEl>
+                                          <p:spTgt spid="9"/>
+                                        </p:tgtEl>
+                                        <p:attrNameLst>
+                                          <p:attrName>ppt_x</p:attrName>
+                                        </p:attrNameLst>
+                                      </p:cBhvr>
+                                      <p:tavLst>
+                                        <p:tav tm="0">
+                                          <p:val>
+                                            <p:strVal val="ppt_x"/>
+                                          </p:val>
+                                        </p:tav>
+                                        <p:tav tm="100000">
+                                          <p:val>
+                                            <p:strVal val="ppt_x"/>
+                                          </p:val>
+                                        </p:tav>
+                                      </p:tavLst>
+                                    </p:anim>
+                                    <p:anim calcmode="lin" valueType="num">
+                                      <p:cBhvr additive="base">
+                                        <p:cTn id="13" dur="500"/>
+                                        <p:tgtEl>
+                                          <p:spTgt spid="9"/>
+                                        </p:tgtEl>
+                                        <p:attrNameLst>
+                                          <p:attrName>ppt_y</p:attrName>
+                                        </p:attrNameLst>
+                                      </p:cBhvr>
+                                      <p:tavLst>
+                                        <p:tav tm="0">
+                                          <p:val>
+                                            <p:strVal val="ppt_y"/>
+                                          </p:val>
+                                        </p:tav>
+                                        <p:tav tm="100000">
+                                          <p:val>
+                                            <p:strVal val="1+ppt_h/2"/>
+                                          </p:val>
+                                        </p:tav>
+                                      </p:tavLst>
+                                    </p:anim>
+                                    <p:set>
+                                      <p:cBhvr>
+                                        <p:cTn id="14" dur="1" fill="hold">
+                                          <p:stCondLst>
+                                            <p:cond delay="499"/>
+                                          </p:stCondLst>
+                                        </p:cTn>
+                                        <p:tgtEl>
+                                          <p:spTgt spid="9"/>
+                                        </p:tgtEl>
+                                        <p:attrNameLst>
+                                          <p:attrName>style.visibility</p:attrName>
+                                        </p:attrNameLst>
+                                      </p:cBhvr>
+                                      <p:to>
+                                        <p:strVal val="hidden"/>
+                                      </p:to>
+                                    </p:set>
+                                  </p:childTnLst>
+                                </p:cTn>
+                              </p:par>
+                            </p:childTnLst>
+                          </p:cTn>
+                        </p:par>
+                      </p:childTnLst>
+                    </p:cTn>
+                  </p:par>
+                </p:childTnLst>
+              </p:cTn>
+              <p:prevCondLst>
+                <p:cond evt="onPrev" delay="0">
+                  <p:tgtEl>
+                    <p:sldTgt/>
+                  </p:tgtEl>
+                </p:cond>
+              </p:prevCondLst>
+              <p:nextCondLst>
+                <p:cond evt="onNext" delay="0">
+                  <p:tgtEl>
+                    <p:sldTgt/>
+                  </p:tgtEl>
+                </p:cond>
+              </p:nextCondLst>
+            </p:seq>
+          </p:childTnLst>
+        </p:cTn>
+      </p:par>
+    </p:tnLst>
+  </p:timing>
 </p:sld>
 </file>
 
@@ -12094,7 +12493,7 @@
         </p:blipFill>
         <p:spPr>
           <a:xfrm>
-            <a:off x="1732447" y="1694479"/>
+            <a:off x="1732447" y="1530277"/>
             <a:ext cx="5395428" cy="2187130"/>
           </a:xfrm>
           <a:prstGeom prst="rect">
@@ -12346,6 +12745,44 @@
                 <a:ea typeface="等线" panose="02010600030101010101" pitchFamily="2" charset="-122"/>
               </a:rPr>
               <a:t>In the extremely dark stage, the testers sometimes become disabled to accomplish the mission. </a:t>
+            </a:r>
+            <a:endParaRPr lang="zh-CN" altLang="en-US" dirty="0"/>
+          </a:p>
+        </p:txBody>
+      </p:sp>
+      <p:sp>
+        <p:nvSpPr>
+          <p:cNvPr id="2" name="文本框 1">
+            <a:extLst>
+              <a:ext uri="{FF2B5EF4-FFF2-40B4-BE49-F238E27FC236}">
+                <a16:creationId xmlns:a16="http://schemas.microsoft.com/office/drawing/2014/main" id="{E1CB4F08-A476-4DF4-94A4-AA884B6299C8}"/>
+              </a:ext>
+            </a:extLst>
+          </p:cNvPr>
+          <p:cNvSpPr txBox="1"/>
+          <p:nvPr/>
+        </p:nvSpPr>
+        <p:spPr>
+          <a:xfrm>
+            <a:off x="2113635" y="2523118"/>
+            <a:ext cx="337593" cy="369332"/>
+          </a:xfrm>
+          <a:prstGeom prst="rect">
+            <a:avLst/>
+          </a:prstGeom>
+          <a:solidFill>
+            <a:schemeClr val="bg1"/>
+          </a:solidFill>
+        </p:spPr>
+        <p:txBody>
+          <a:bodyPr vert="horz" wrap="none" lIns="0" tIns="45720" rIns="91440" bIns="45720" rtlCol="0" anchor="ctr">
+            <a:spAutoFit/>
+          </a:bodyPr>
+          <a:lstStyle/>
+          <a:p>
+            <a:r>
+              <a:rPr lang="en-US" altLang="zh-CN" dirty="0"/>
+              <a:t>-5’</a:t>
             </a:r>
             <a:endParaRPr lang="zh-CN" altLang="en-US" dirty="0"/>
           </a:p>
@@ -13243,10 +13680,10 @@
       </p:sp>
       <p:pic>
         <p:nvPicPr>
-          <p:cNvPr id="10" name="图片 9">
-            <a:extLst>
-              <a:ext uri="{FF2B5EF4-FFF2-40B4-BE49-F238E27FC236}">
-                <a16:creationId xmlns:a16="http://schemas.microsoft.com/office/drawing/2014/main" id="{69D08746-6172-49BB-8E6D-29F46AF9D0D4}"/>
+          <p:cNvPr id="3" name="图片 2">
+            <a:extLst>
+              <a:ext uri="{FF2B5EF4-FFF2-40B4-BE49-F238E27FC236}">
+                <a16:creationId xmlns:a16="http://schemas.microsoft.com/office/drawing/2014/main" id="{8EDBAC77-8F47-46EF-9C43-A4A5FA0CCE62}"/>
               </a:ext>
             </a:extLst>
           </p:cNvPr>
@@ -13263,14 +13700,79 @@
         </p:blipFill>
         <p:spPr>
           <a:xfrm>
-            <a:off x="2180934" y="2618545"/>
-            <a:ext cx="4397121" cy="1874682"/>
+            <a:off x="902104" y="2598600"/>
+            <a:ext cx="4640982" cy="3383573"/>
           </a:xfrm>
           <a:prstGeom prst="rect">
             <a:avLst/>
           </a:prstGeom>
         </p:spPr>
       </p:pic>
+      <p:pic>
+        <p:nvPicPr>
+          <p:cNvPr id="11" name="图片 10">
+            <a:extLst>
+              <a:ext uri="{FF2B5EF4-FFF2-40B4-BE49-F238E27FC236}">
+                <a16:creationId xmlns:a16="http://schemas.microsoft.com/office/drawing/2014/main" id="{7636E153-8ACC-47D8-BB24-96D5525C5803}"/>
+              </a:ext>
+            </a:extLst>
+          </p:cNvPr>
+          <p:cNvPicPr>
+            <a:picLocks noChangeAspect="1"/>
+          </p:cNvPicPr>
+          <p:nvPr/>
+        </p:nvPicPr>
+        <p:blipFill>
+          <a:blip r:embed="rId4"/>
+          <a:stretch>
+            <a:fillRect/>
+          </a:stretch>
+        </p:blipFill>
+        <p:spPr>
+          <a:xfrm>
+            <a:off x="6037090" y="3780978"/>
+            <a:ext cx="1348857" cy="1318374"/>
+          </a:xfrm>
+          <a:prstGeom prst="rect">
+            <a:avLst/>
+          </a:prstGeom>
+        </p:spPr>
+      </p:pic>
+      <p:sp>
+        <p:nvSpPr>
+          <p:cNvPr id="12" name="文本框 11">
+            <a:extLst>
+              <a:ext uri="{FF2B5EF4-FFF2-40B4-BE49-F238E27FC236}">
+                <a16:creationId xmlns:a16="http://schemas.microsoft.com/office/drawing/2014/main" id="{398D0B12-818B-4546-BA30-50A4360954A0}"/>
+              </a:ext>
+            </a:extLst>
+          </p:cNvPr>
+          <p:cNvSpPr txBox="1"/>
+          <p:nvPr/>
+        </p:nvSpPr>
+        <p:spPr>
+          <a:xfrm>
+            <a:off x="7714696" y="1884015"/>
+            <a:ext cx="448200" cy="369332"/>
+          </a:xfrm>
+          <a:prstGeom prst="rect">
+            <a:avLst/>
+          </a:prstGeom>
+        </p:spPr>
+        <p:txBody>
+          <a:bodyPr vert="horz" wrap="none" lIns="0" tIns="45720" rIns="91440" bIns="45720" rtlCol="0" anchor="ctr">
+            <a:spAutoFit/>
+          </a:bodyPr>
+          <a:lstStyle/>
+          <a:p>
+            <a:r>
+              <a:rPr lang="en-US" altLang="zh-CN" dirty="0"/>
+              <a:t>p40</a:t>
+            </a:r>
+            <a:endParaRPr lang="zh-CN" altLang="en-US" dirty="0"/>
+          </a:p>
+        </p:txBody>
+      </p:sp>
     </p:spTree>
     <p:extLst>
       <p:ext uri="{BB962C8B-B14F-4D97-AF65-F5344CB8AC3E}">
@@ -13570,6 +14072,36 @@
           </a:p>
         </p:txBody>
       </p:sp>
+      <p:pic>
+        <p:nvPicPr>
+          <p:cNvPr id="3" name="图片 2">
+            <a:extLst>
+              <a:ext uri="{FF2B5EF4-FFF2-40B4-BE49-F238E27FC236}">
+                <a16:creationId xmlns:a16="http://schemas.microsoft.com/office/drawing/2014/main" id="{76DD2AB8-C918-4E30-9321-6D4AE83C7F64}"/>
+              </a:ext>
+            </a:extLst>
+          </p:cNvPr>
+          <p:cNvPicPr>
+            <a:picLocks noChangeAspect="1"/>
+          </p:cNvPicPr>
+          <p:nvPr/>
+        </p:nvPicPr>
+        <p:blipFill>
+          <a:blip r:embed="rId4"/>
+          <a:stretch>
+            <a:fillRect/>
+          </a:stretch>
+        </p:blipFill>
+        <p:spPr>
+          <a:xfrm>
+            <a:off x="96416" y="4462765"/>
+            <a:ext cx="914479" cy="304826"/>
+          </a:xfrm>
+          <a:prstGeom prst="rect">
+            <a:avLst/>
+          </a:prstGeom>
+        </p:spPr>
+      </p:pic>
     </p:spTree>
     <p:extLst>
       <p:ext uri="{BB962C8B-B14F-4D97-AF65-F5344CB8AC3E}">
@@ -13681,7 +14213,7 @@
           <a:p>
             <a:fld id="{B015FA98-508F-4DFD-99A8-E9D2B7D1B0C5}" type="datetime1">
               <a:rPr lang="de-DE" smtClean="0"/>
-              <a:t>12.06.2019</a:t>
+              <a:t>13.06.2019</a:t>
             </a:fld>
             <a:endParaRPr lang="de-DE" dirty="0"/>
           </a:p>
@@ -13869,6 +14401,36 @@
           </a:p>
         </p:txBody>
       </p:sp>
+      <p:pic>
+        <p:nvPicPr>
+          <p:cNvPr id="11" name="图片 10">
+            <a:extLst>
+              <a:ext uri="{FF2B5EF4-FFF2-40B4-BE49-F238E27FC236}">
+                <a16:creationId xmlns:a16="http://schemas.microsoft.com/office/drawing/2014/main" id="{29F73600-5863-4ECE-8104-82E36087B735}"/>
+              </a:ext>
+            </a:extLst>
+          </p:cNvPr>
+          <p:cNvPicPr>
+            <a:picLocks noChangeAspect="1"/>
+          </p:cNvPicPr>
+          <p:nvPr/>
+        </p:nvPicPr>
+        <p:blipFill>
+          <a:blip r:embed="rId4"/>
+          <a:stretch>
+            <a:fillRect/>
+          </a:stretch>
+        </p:blipFill>
+        <p:spPr>
+          <a:xfrm>
+            <a:off x="96416" y="4462765"/>
+            <a:ext cx="914479" cy="304826"/>
+          </a:xfrm>
+          <a:prstGeom prst="rect">
+            <a:avLst/>
+          </a:prstGeom>
+        </p:spPr>
+      </p:pic>
     </p:spTree>
     <p:extLst>
       <p:ext uri="{BB962C8B-B14F-4D97-AF65-F5344CB8AC3E}">
@@ -13980,7 +14542,7 @@
           <a:p>
             <a:fld id="{B015FA98-508F-4DFD-99A8-E9D2B7D1B0C5}" type="datetime1">
               <a:rPr lang="de-DE" smtClean="0"/>
-              <a:t>12.06.2019</a:t>
+              <a:t>13.06.2019</a:t>
             </a:fld>
             <a:endParaRPr lang="de-DE" dirty="0"/>
           </a:p>
@@ -14145,7 +14707,7 @@
         <p:spPr>
           <a:xfrm>
             <a:off x="2153652" y="3376645"/>
-            <a:ext cx="4572000" cy="923330"/>
+            <a:ext cx="4572000" cy="1200329"/>
           </a:xfrm>
           <a:prstGeom prst="rect">
             <a:avLst/>
@@ -14162,12 +14724,72 @@
                 <a:latin typeface="Times New Roman" panose="02020603050405020304" pitchFamily="18" charset="0"/>
                 <a:ea typeface="等线" panose="02010600030101010101" pitchFamily="2" charset="-122"/>
               </a:rPr>
-              <a:t>From a favorable light condition (60’) to a bad light condition (-13’), the performance becomes increasingly worse. </a:t>
+              <a:t>From a favorable light condition (60’) to a bad light condition (-13’), the performance becomes increasingly worse, but not so apparent. </a:t>
             </a:r>
             <a:endParaRPr lang="zh-CN" altLang="en-US" dirty="0"/>
           </a:p>
         </p:txBody>
       </p:sp>
+      <p:pic>
+        <p:nvPicPr>
+          <p:cNvPr id="11" name="图片 10">
+            <a:extLst>
+              <a:ext uri="{FF2B5EF4-FFF2-40B4-BE49-F238E27FC236}">
+                <a16:creationId xmlns:a16="http://schemas.microsoft.com/office/drawing/2014/main" id="{C078FD95-2842-4E3F-B266-831B373FCC44}"/>
+              </a:ext>
+            </a:extLst>
+          </p:cNvPr>
+          <p:cNvPicPr>
+            <a:picLocks noChangeAspect="1"/>
+          </p:cNvPicPr>
+          <p:nvPr/>
+        </p:nvPicPr>
+        <p:blipFill>
+          <a:blip r:embed="rId4"/>
+          <a:stretch>
+            <a:fillRect/>
+          </a:stretch>
+        </p:blipFill>
+        <p:spPr>
+          <a:xfrm>
+            <a:off x="96416" y="4462765"/>
+            <a:ext cx="914479" cy="304826"/>
+          </a:xfrm>
+          <a:prstGeom prst="rect">
+            <a:avLst/>
+          </a:prstGeom>
+        </p:spPr>
+      </p:pic>
+      <p:pic>
+        <p:nvPicPr>
+          <p:cNvPr id="12" name="图片 11">
+            <a:extLst>
+              <a:ext uri="{FF2B5EF4-FFF2-40B4-BE49-F238E27FC236}">
+                <a16:creationId xmlns:a16="http://schemas.microsoft.com/office/drawing/2014/main" id="{5682892A-4F9D-472E-9649-C7D347B4C892}"/>
+              </a:ext>
+            </a:extLst>
+          </p:cNvPr>
+          <p:cNvPicPr>
+            <a:picLocks noChangeAspect="1"/>
+          </p:cNvPicPr>
+          <p:nvPr/>
+        </p:nvPicPr>
+        <p:blipFill>
+          <a:blip r:embed="rId5"/>
+          <a:stretch>
+            <a:fillRect/>
+          </a:stretch>
+        </p:blipFill>
+        <p:spPr>
+          <a:xfrm>
+            <a:off x="2229660" y="3526299"/>
+            <a:ext cx="4419983" cy="2636748"/>
+          </a:xfrm>
+          <a:prstGeom prst="rect">
+            <a:avLst/>
+          </a:prstGeom>
+        </p:spPr>
+      </p:pic>
     </p:spTree>
     <p:extLst>
       <p:ext uri="{BB962C8B-B14F-4D97-AF65-F5344CB8AC3E}">
@@ -14178,6 +14800,218 @@
   <p:clrMapOvr>
     <a:masterClrMapping/>
   </p:clrMapOvr>
+  <p:timing>
+    <p:tnLst>
+      <p:par>
+        <p:cTn id="1" dur="indefinite" restart="never" nodeType="tmRoot">
+          <p:childTnLst>
+            <p:seq concurrent="1" nextAc="seek">
+              <p:cTn id="2" dur="indefinite" nodeType="mainSeq">
+                <p:childTnLst>
+                  <p:par>
+                    <p:cTn id="3" fill="hold">
+                      <p:stCondLst>
+                        <p:cond delay="indefinite"/>
+                      </p:stCondLst>
+                      <p:childTnLst>
+                        <p:par>
+                          <p:cTn id="4" fill="hold">
+                            <p:stCondLst>
+                              <p:cond delay="0"/>
+                            </p:stCondLst>
+                            <p:childTnLst>
+                              <p:par>
+                                <p:cTn id="5" presetID="2" presetClass="entr" presetSubtype="4" fill="hold" nodeType="clickEffect">
+                                  <p:stCondLst>
+                                    <p:cond delay="0"/>
+                                  </p:stCondLst>
+                                  <p:childTnLst>
+                                    <p:set>
+                                      <p:cBhvr>
+                                        <p:cTn id="6" dur="1" fill="hold">
+                                          <p:stCondLst>
+                                            <p:cond delay="0"/>
+                                          </p:stCondLst>
+                                        </p:cTn>
+                                        <p:tgtEl>
+                                          <p:spTgt spid="12"/>
+                                        </p:tgtEl>
+                                        <p:attrNameLst>
+                                          <p:attrName>style.visibility</p:attrName>
+                                        </p:attrNameLst>
+                                      </p:cBhvr>
+                                      <p:to>
+                                        <p:strVal val="visible"/>
+                                      </p:to>
+                                    </p:set>
+                                    <p:anim calcmode="lin" valueType="num">
+                                      <p:cBhvr additive="base">
+                                        <p:cTn id="7" dur="500" fill="hold"/>
+                                        <p:tgtEl>
+                                          <p:spTgt spid="12"/>
+                                        </p:tgtEl>
+                                        <p:attrNameLst>
+                                          <p:attrName>ppt_x</p:attrName>
+                                        </p:attrNameLst>
+                                      </p:cBhvr>
+                                      <p:tavLst>
+                                        <p:tav tm="0">
+                                          <p:val>
+                                            <p:strVal val="#ppt_x"/>
+                                          </p:val>
+                                        </p:tav>
+                                        <p:tav tm="100000">
+                                          <p:val>
+                                            <p:strVal val="#ppt_x"/>
+                                          </p:val>
+                                        </p:tav>
+                                      </p:tavLst>
+                                    </p:anim>
+                                    <p:anim calcmode="lin" valueType="num">
+                                      <p:cBhvr additive="base">
+                                        <p:cTn id="8" dur="500" fill="hold"/>
+                                        <p:tgtEl>
+                                          <p:spTgt spid="12"/>
+                                        </p:tgtEl>
+                                        <p:attrNameLst>
+                                          <p:attrName>ppt_y</p:attrName>
+                                        </p:attrNameLst>
+                                      </p:cBhvr>
+                                      <p:tavLst>
+                                        <p:tav tm="0">
+                                          <p:val>
+                                            <p:strVal val="1+#ppt_h/2"/>
+                                          </p:val>
+                                        </p:tav>
+                                        <p:tav tm="100000">
+                                          <p:val>
+                                            <p:strVal val="#ppt_y"/>
+                                          </p:val>
+                                        </p:tav>
+                                      </p:tavLst>
+                                    </p:anim>
+                                  </p:childTnLst>
+                                </p:cTn>
+                              </p:par>
+                            </p:childTnLst>
+                          </p:cTn>
+                        </p:par>
+                      </p:childTnLst>
+                    </p:cTn>
+                  </p:par>
+                  <p:par>
+                    <p:cTn id="9" fill="hold">
+                      <p:stCondLst>
+                        <p:cond delay="indefinite"/>
+                      </p:stCondLst>
+                      <p:childTnLst>
+                        <p:par>
+                          <p:cTn id="10" fill="hold">
+                            <p:stCondLst>
+                              <p:cond delay="0"/>
+                            </p:stCondLst>
+                            <p:childTnLst>
+                              <p:par>
+                                <p:cTn id="11" presetID="2" presetClass="exit" presetSubtype="4" fill="hold" nodeType="clickEffect">
+                                  <p:stCondLst>
+                                    <p:cond delay="0"/>
+                                  </p:stCondLst>
+                                  <p:childTnLst>
+                                    <p:anim calcmode="lin" valueType="num">
+                                      <p:cBhvr additive="base">
+                                        <p:cTn id="12" dur="500"/>
+                                        <p:tgtEl>
+                                          <p:spTgt spid="12"/>
+                                        </p:tgtEl>
+                                        <p:attrNameLst>
+                                          <p:attrName>ppt_x</p:attrName>
+                                        </p:attrNameLst>
+                                      </p:cBhvr>
+                                      <p:tavLst>
+                                        <p:tav tm="0">
+                                          <p:val>
+                                            <p:strVal val="ppt_x"/>
+                                          </p:val>
+                                        </p:tav>
+                                        <p:tav tm="100000">
+                                          <p:val>
+                                            <p:strVal val="ppt_x"/>
+                                          </p:val>
+                                        </p:tav>
+                                      </p:tavLst>
+                                    </p:anim>
+                                    <p:anim calcmode="lin" valueType="num">
+                                      <p:cBhvr additive="base">
+                                        <p:cTn id="13" dur="500"/>
+                                        <p:tgtEl>
+                                          <p:spTgt spid="12"/>
+                                        </p:tgtEl>
+                                        <p:attrNameLst>
+                                          <p:attrName>ppt_y</p:attrName>
+                                        </p:attrNameLst>
+                                      </p:cBhvr>
+                                      <p:tavLst>
+                                        <p:tav tm="0">
+                                          <p:val>
+                                            <p:strVal val="ppt_y"/>
+                                          </p:val>
+                                        </p:tav>
+                                        <p:tav tm="100000">
+                                          <p:val>
+                                            <p:strVal val="1+ppt_h/2"/>
+                                          </p:val>
+                                        </p:tav>
+                                      </p:tavLst>
+                                    </p:anim>
+                                    <p:set>
+                                      <p:cBhvr>
+                                        <p:cTn id="14" dur="1" fill="hold">
+                                          <p:stCondLst>
+                                            <p:cond delay="499"/>
+                                          </p:stCondLst>
+                                        </p:cTn>
+                                        <p:tgtEl>
+                                          <p:spTgt spid="12"/>
+                                        </p:tgtEl>
+                                        <p:attrNameLst>
+                                          <p:attrName>style.visibility</p:attrName>
+                                        </p:attrNameLst>
+                                      </p:cBhvr>
+                                      <p:to>
+                                        <p:strVal val="hidden"/>
+                                      </p:to>
+                                    </p:set>
+                                  </p:childTnLst>
+                                </p:cTn>
+                              </p:par>
+                            </p:childTnLst>
+                          </p:cTn>
+                        </p:par>
+                      </p:childTnLst>
+                    </p:cTn>
+                  </p:par>
+                </p:childTnLst>
+              </p:cTn>
+              <p:prevCondLst>
+                <p:cond evt="onPrev" delay="0">
+                  <p:tgtEl>
+                    <p:sldTgt/>
+                  </p:tgtEl>
+                </p:cond>
+              </p:prevCondLst>
+              <p:nextCondLst>
+                <p:cond evt="onNext" delay="0">
+                  <p:tgtEl>
+                    <p:sldTgt/>
+                  </p:tgtEl>
+                </p:cond>
+              </p:nextCondLst>
+            </p:seq>
+          </p:childTnLst>
+        </p:cTn>
+      </p:par>
+    </p:tnLst>
+  </p:timing>
 </p:sld>
 </file>
 
@@ -14279,7 +15113,7 @@
           <a:p>
             <a:fld id="{B015FA98-508F-4DFD-99A8-E9D2B7D1B0C5}" type="datetime1">
               <a:rPr lang="de-DE" smtClean="0"/>
-              <a:t>12.06.2019</a:t>
+              <a:t>13.06.2019</a:t>
             </a:fld>
             <a:endParaRPr lang="de-DE" dirty="0"/>
           </a:p>
@@ -14467,6 +15301,36 @@
           </a:p>
         </p:txBody>
       </p:sp>
+      <p:pic>
+        <p:nvPicPr>
+          <p:cNvPr id="11" name="图片 10">
+            <a:extLst>
+              <a:ext uri="{FF2B5EF4-FFF2-40B4-BE49-F238E27FC236}">
+                <a16:creationId xmlns:a16="http://schemas.microsoft.com/office/drawing/2014/main" id="{35C23CC4-F6AF-4381-A8A8-9AB6ADEA231D}"/>
+              </a:ext>
+            </a:extLst>
+          </p:cNvPr>
+          <p:cNvPicPr>
+            <a:picLocks noChangeAspect="1"/>
+          </p:cNvPicPr>
+          <p:nvPr/>
+        </p:nvPicPr>
+        <p:blipFill>
+          <a:blip r:embed="rId4"/>
+          <a:stretch>
+            <a:fillRect/>
+          </a:stretch>
+        </p:blipFill>
+        <p:spPr>
+          <a:xfrm>
+            <a:off x="96416" y="4462765"/>
+            <a:ext cx="914479" cy="304826"/>
+          </a:xfrm>
+          <a:prstGeom prst="rect">
+            <a:avLst/>
+          </a:prstGeom>
+        </p:spPr>
+      </p:pic>
     </p:spTree>
     <p:extLst>
       <p:ext uri="{BB962C8B-B14F-4D97-AF65-F5344CB8AC3E}">
@@ -14520,7 +15384,7 @@
           <a:p>
             <a:fld id="{B015FA98-508F-4DFD-99A8-E9D2B7D1B0C5}" type="datetime1">
               <a:rPr lang="de-DE" smtClean="0"/>
-              <a:t>12.06.2019</a:t>
+              <a:t>13.06.2019</a:t>
             </a:fld>
             <a:endParaRPr lang="de-DE" dirty="0"/>
           </a:p>
@@ -14767,7 +15631,6 @@
           <a:p>
             <a:r>
               <a:rPr lang="en-US" altLang="zh-CN" kern="0" dirty="0">
-                <a:latin typeface="Times New Roman" panose="02020603050405020304" pitchFamily="18" charset="0"/>
                 <a:ea typeface="等线" panose="02010600030101010101" pitchFamily="2" charset="-122"/>
               </a:rPr>
               <a:t>a self-emissive material is added on each item, </a:t>
@@ -14817,17 +15680,17 @@
             </a:pPr>
             <a:r>
               <a:rPr lang="en-US" altLang="zh-CN" dirty="0">
-                <a:latin typeface="Times New Roman" panose="02020603050405020304" pitchFamily="18" charset="0"/>
+                <a:latin typeface="Calibri" panose="020F0502020204030204" pitchFamily="34" charset="0"/>
                 <a:ea typeface="等线" panose="02010600030101010101" pitchFamily="2" charset="-122"/>
-                <a:cs typeface="Times New Roman" panose="02020603050405020304" pitchFamily="18" charset="0"/>
+                <a:cs typeface="Calibri" panose="020F0502020204030204" pitchFamily="34" charset="0"/>
               </a:rPr>
               <a:t>The shadows and beams are frequently changed and presented in the screen, causing a dazzling effect. </a:t>
             </a:r>
             <a:endParaRPr lang="zh-CN" altLang="zh-CN" sz="1600" dirty="0">
               <a:effectLst/>
-              <a:latin typeface="等线" panose="02010600030101010101" pitchFamily="2" charset="-122"/>
+              <a:latin typeface="Calibri" panose="020F0502020204030204" pitchFamily="34" charset="0"/>
               <a:ea typeface="等线" panose="02010600030101010101" pitchFamily="2" charset="-122"/>
-              <a:cs typeface="Times New Roman" panose="02020603050405020304" pitchFamily="18" charset="0"/>
+              <a:cs typeface="Calibri" panose="020F0502020204030204" pitchFamily="34" charset="0"/>
             </a:endParaRPr>
           </a:p>
         </p:txBody>
@@ -14856,6 +15719,36 @@
           <a:xfrm>
             <a:off x="2057367" y="3394172"/>
             <a:ext cx="5342083" cy="746825"/>
+          </a:xfrm>
+          <a:prstGeom prst="rect">
+            <a:avLst/>
+          </a:prstGeom>
+        </p:spPr>
+      </p:pic>
+      <p:pic>
+        <p:nvPicPr>
+          <p:cNvPr id="19" name="图片 18">
+            <a:extLst>
+              <a:ext uri="{FF2B5EF4-FFF2-40B4-BE49-F238E27FC236}">
+                <a16:creationId xmlns:a16="http://schemas.microsoft.com/office/drawing/2014/main" id="{4D80F101-A7D7-4281-8E20-F45D0FB2A9F2}"/>
+              </a:ext>
+            </a:extLst>
+          </p:cNvPr>
+          <p:cNvPicPr>
+            <a:picLocks noChangeAspect="1"/>
+          </p:cNvPicPr>
+          <p:nvPr/>
+        </p:nvPicPr>
+        <p:blipFill>
+          <a:blip r:embed="rId5"/>
+          <a:stretch>
+            <a:fillRect/>
+          </a:stretch>
+        </p:blipFill>
+        <p:spPr>
+          <a:xfrm>
+            <a:off x="96416" y="4462765"/>
+            <a:ext cx="914479" cy="304826"/>
           </a:xfrm>
           <a:prstGeom prst="rect">
             <a:avLst/>
@@ -15175,13 +16068,25 @@
           <a:p>
             <a:r>
               <a:rPr lang="en-US" altLang="zh-CN" dirty="0"/>
-              <a:t>CSGO Situation: </a:t>
+              <a:t>70% regards graphic and scenery design as the most important impression on a game</a:t>
             </a:r>
           </a:p>
           <a:p>
             <a:r>
               <a:rPr lang="en-US" altLang="zh-CN" dirty="0"/>
-              <a:t>Texture/colors(background and figures)</a:t>
+              <a:t>75% choose to buy a game because of its graphic design</a:t>
+            </a:r>
+          </a:p>
+          <a:p>
+            <a:r>
+              <a:rPr lang="en-US" altLang="zh-CN" dirty="0"/>
+              <a:t>70% thinks the scenery design will affect their in-game performance</a:t>
+            </a:r>
+          </a:p>
+          <a:p>
+            <a:r>
+              <a:rPr lang="en-US" altLang="zh-CN" dirty="0"/>
+              <a:t>Texture/colors(background and figures, ground and items)</a:t>
             </a:r>
           </a:p>
           <a:p>
@@ -15199,31 +16104,19 @@
           <a:p>
             <a:r>
               <a:rPr lang="en-US" altLang="zh-CN" dirty="0"/>
-              <a:t>PUBG Situation:</a:t>
+              <a:t>Outlines(clear enough?)</a:t>
             </a:r>
           </a:p>
           <a:p>
             <a:r>
               <a:rPr lang="en-US" altLang="zh-CN" dirty="0"/>
-              <a:t>Texture/colors(ground and items)</a:t>
+              <a:t>Not compulsory, all the games should firstly follow their original design style</a:t>
             </a:r>
           </a:p>
           <a:p>
             <a:r>
               <a:rPr lang="en-US" altLang="zh-CN" dirty="0"/>
-              <a:t>Lightness</a:t>
-            </a:r>
-          </a:p>
-          <a:p>
-            <a:r>
-              <a:rPr lang="en-US" altLang="zh-CN" dirty="0"/>
-              <a:t>Outlines(clear enough?)</a:t>
-            </a:r>
-          </a:p>
-          <a:p>
-            <a:r>
-              <a:rPr lang="en-US" altLang="zh-CN" dirty="0"/>
-              <a:t>Not compulsory, all the games should firstly follow their original design style, then make several tests before publishes</a:t>
+              <a:t>There are several complex elements, therefore, many tests should be conducted before the game publishes.</a:t>
             </a:r>
           </a:p>
           <a:p>
@@ -15298,7 +16191,7 @@
           <a:p>
             <a:fld id="{B015FA98-508F-4DFD-99A8-E9D2B7D1B0C5}" type="datetime1">
               <a:rPr lang="de-DE" smtClean="0"/>
-              <a:t>12.06.2019</a:t>
+              <a:t>13.06.2019</a:t>
             </a:fld>
             <a:endParaRPr lang="de-DE" dirty="0"/>
           </a:p>
@@ -15326,10 +16219,9 @@
           <a:lstStyle/>
           <a:p>
             <a:r>
-              <a:rPr lang="de-DE"/>
+              <a:rPr lang="de-DE" dirty="0"/>
               <a:t>Fußzeile</a:t>
             </a:r>
-            <a:endParaRPr lang="de-DE" dirty="0"/>
           </a:p>
         </p:txBody>
       </p:sp>
@@ -15434,7 +16326,7 @@
                                         <p:tgtEl>
                                           <p:spTgt spid="3">
                                             <p:txEl>
-                                              <p:pRg st="1" end="1"/>
+                                              <p:pRg st="4" end="4"/>
                                             </p:txEl>
                                           </p:spTgt>
                                         </p:tgtEl>
@@ -15452,7 +16344,7 @@
                                         <p:tgtEl>
                                           <p:spTgt spid="3">
                                             <p:txEl>
-                                              <p:pRg st="1" end="1"/>
+                                              <p:pRg st="4" end="4"/>
                                             </p:txEl>
                                           </p:spTgt>
                                         </p:tgtEl>
@@ -15477,7 +16369,7 @@
                                         <p:tgtEl>
                                           <p:spTgt spid="3">
                                             <p:txEl>
-                                              <p:pRg st="2" end="2"/>
+                                              <p:pRg st="5" end="5"/>
                                             </p:txEl>
                                           </p:spTgt>
                                         </p:tgtEl>
@@ -15495,7 +16387,7 @@
                                         <p:tgtEl>
                                           <p:spTgt spid="3">
                                             <p:txEl>
-                                              <p:pRg st="2" end="2"/>
+                                              <p:pRg st="5" end="5"/>
                                             </p:txEl>
                                           </p:spTgt>
                                         </p:tgtEl>
@@ -15520,7 +16412,7 @@
                                         <p:tgtEl>
                                           <p:spTgt spid="3">
                                             <p:txEl>
-                                              <p:pRg st="3" end="3"/>
+                                              <p:pRg st="6" end="6"/>
                                             </p:txEl>
                                           </p:spTgt>
                                         </p:tgtEl>
@@ -15538,7 +16430,7 @@
                                         <p:tgtEl>
                                           <p:spTgt spid="3">
                                             <p:txEl>
-                                              <p:pRg st="3" end="3"/>
+                                              <p:pRg st="6" end="6"/>
                                             </p:txEl>
                                           </p:spTgt>
                                         </p:tgtEl>
@@ -15563,7 +16455,7 @@
                                         <p:tgtEl>
                                           <p:spTgt spid="3">
                                             <p:txEl>
-                                              <p:pRg st="4" end="4"/>
+                                              <p:pRg st="7" end="7"/>
                                             </p:txEl>
                                           </p:spTgt>
                                         </p:tgtEl>
@@ -15581,153 +16473,6 @@
                                         <p:tgtEl>
                                           <p:spTgt spid="3">
                                             <p:txEl>
-                                              <p:pRg st="4" end="4"/>
-                                            </p:txEl>
-                                          </p:spTgt>
-                                        </p:tgtEl>
-                                      </p:cBhvr>
-                                    </p:animEffect>
-                                  </p:childTnLst>
-                                </p:cTn>
-                              </p:par>
-                            </p:childTnLst>
-                          </p:cTn>
-                        </p:par>
-                      </p:childTnLst>
-                    </p:cTn>
-                  </p:par>
-                  <p:par>
-                    <p:cTn id="17" fill="hold">
-                      <p:stCondLst>
-                        <p:cond delay="indefinite"/>
-                      </p:stCondLst>
-                      <p:childTnLst>
-                        <p:par>
-                          <p:cTn id="18" fill="hold">
-                            <p:stCondLst>
-                              <p:cond delay="0"/>
-                            </p:stCondLst>
-                            <p:childTnLst>
-                              <p:par>
-                                <p:cTn id="19" presetID="10" presetClass="entr" presetSubtype="0" fill="hold" nodeType="clickEffect">
-                                  <p:stCondLst>
-                                    <p:cond delay="0"/>
-                                  </p:stCondLst>
-                                  <p:childTnLst>
-                                    <p:set>
-                                      <p:cBhvr>
-                                        <p:cTn id="20" dur="1" fill="hold">
-                                          <p:stCondLst>
-                                            <p:cond delay="0"/>
-                                          </p:stCondLst>
-                                        </p:cTn>
-                                        <p:tgtEl>
-                                          <p:spTgt spid="3">
-                                            <p:txEl>
-                                              <p:pRg st="5" end="5"/>
-                                            </p:txEl>
-                                          </p:spTgt>
-                                        </p:tgtEl>
-                                        <p:attrNameLst>
-                                          <p:attrName>style.visibility</p:attrName>
-                                        </p:attrNameLst>
-                                      </p:cBhvr>
-                                      <p:to>
-                                        <p:strVal val="visible"/>
-                                      </p:to>
-                                    </p:set>
-                                    <p:animEffect transition="in" filter="fade">
-                                      <p:cBhvr>
-                                        <p:cTn id="21" dur="500"/>
-                                        <p:tgtEl>
-                                          <p:spTgt spid="3">
-                                            <p:txEl>
-                                              <p:pRg st="5" end="5"/>
-                                            </p:txEl>
-                                          </p:spTgt>
-                                        </p:tgtEl>
-                                      </p:cBhvr>
-                                    </p:animEffect>
-                                  </p:childTnLst>
-                                </p:cTn>
-                              </p:par>
-                              <p:par>
-                                <p:cTn id="22" presetID="10" presetClass="entr" presetSubtype="0" fill="hold" nodeType="withEffect">
-                                  <p:stCondLst>
-                                    <p:cond delay="0"/>
-                                  </p:stCondLst>
-                                  <p:childTnLst>
-                                    <p:set>
-                                      <p:cBhvr>
-                                        <p:cTn id="23" dur="1" fill="hold">
-                                          <p:stCondLst>
-                                            <p:cond delay="0"/>
-                                          </p:stCondLst>
-                                        </p:cTn>
-                                        <p:tgtEl>
-                                          <p:spTgt spid="3">
-                                            <p:txEl>
-                                              <p:pRg st="6" end="6"/>
-                                            </p:txEl>
-                                          </p:spTgt>
-                                        </p:tgtEl>
-                                        <p:attrNameLst>
-                                          <p:attrName>style.visibility</p:attrName>
-                                        </p:attrNameLst>
-                                      </p:cBhvr>
-                                      <p:to>
-                                        <p:strVal val="visible"/>
-                                      </p:to>
-                                    </p:set>
-                                    <p:animEffect transition="in" filter="fade">
-                                      <p:cBhvr>
-                                        <p:cTn id="24" dur="500"/>
-                                        <p:tgtEl>
-                                          <p:spTgt spid="3">
-                                            <p:txEl>
-                                              <p:pRg st="6" end="6"/>
-                                            </p:txEl>
-                                          </p:spTgt>
-                                        </p:tgtEl>
-                                      </p:cBhvr>
-                                    </p:animEffect>
-                                  </p:childTnLst>
-                                </p:cTn>
-                              </p:par>
-                              <p:par>
-                                <p:cTn id="25" presetID="10" presetClass="entr" presetSubtype="0" fill="hold" nodeType="withEffect">
-                                  <p:stCondLst>
-                                    <p:cond delay="0"/>
-                                  </p:stCondLst>
-                                  <p:childTnLst>
-                                    <p:set>
-                                      <p:cBhvr>
-                                        <p:cTn id="26" dur="1" fill="hold">
-                                          <p:stCondLst>
-                                            <p:cond delay="0"/>
-                                          </p:stCondLst>
-                                        </p:cTn>
-                                        <p:tgtEl>
-                                          <p:spTgt spid="3">
-                                            <p:txEl>
-                                              <p:pRg st="7" end="7"/>
-                                            </p:txEl>
-                                          </p:spTgt>
-                                        </p:tgtEl>
-                                        <p:attrNameLst>
-                                          <p:attrName>style.visibility</p:attrName>
-                                        </p:attrNameLst>
-                                      </p:cBhvr>
-                                      <p:to>
-                                        <p:strVal val="visible"/>
-                                      </p:to>
-                                    </p:set>
-                                    <p:animEffect transition="in" filter="fade">
-                                      <p:cBhvr>
-                                        <p:cTn id="27" dur="500"/>
-                                        <p:tgtEl>
-                                          <p:spTgt spid="3">
-                                            <p:txEl>
                                               <p:pRg st="7" end="7"/>
                                             </p:txEl>
                                           </p:spTgt>
@@ -15738,14 +16483,14 @@
                                 </p:cTn>
                               </p:par>
                               <p:par>
-                                <p:cTn id="28" presetID="10" presetClass="entr" presetSubtype="0" fill="hold" nodeType="withEffect">
+                                <p:cTn id="17" presetID="10" presetClass="entr" presetSubtype="0" fill="hold" nodeType="withEffect">
                                   <p:stCondLst>
                                     <p:cond delay="0"/>
                                   </p:stCondLst>
                                   <p:childTnLst>
                                     <p:set>
                                       <p:cBhvr>
-                                        <p:cTn id="29" dur="1" fill="hold">
+                                        <p:cTn id="18" dur="1" fill="hold">
                                           <p:stCondLst>
                                             <p:cond delay="0"/>
                                           </p:stCondLst>
@@ -15767,7 +16512,7 @@
                                     </p:set>
                                     <p:animEffect transition="in" filter="fade">
                                       <p:cBhvr>
-                                        <p:cTn id="30" dur="500"/>
+                                        <p:cTn id="19" dur="500"/>
                                         <p:tgtEl>
                                           <p:spTgt spid="3">
                                             <p:txEl>
@@ -15787,26 +16532,26 @@
                     </p:cTn>
                   </p:par>
                   <p:par>
-                    <p:cTn id="31" fill="hold">
+                    <p:cTn id="20" fill="hold">
                       <p:stCondLst>
                         <p:cond delay="indefinite"/>
                       </p:stCondLst>
                       <p:childTnLst>
                         <p:par>
-                          <p:cTn id="32" fill="hold">
+                          <p:cTn id="21" fill="hold">
                             <p:stCondLst>
                               <p:cond delay="0"/>
                             </p:stCondLst>
                             <p:childTnLst>
                               <p:par>
-                                <p:cTn id="33" presetID="10" presetClass="entr" presetSubtype="0" fill="hold" nodeType="clickEffect">
+                                <p:cTn id="22" presetID="10" presetClass="entr" presetSubtype="0" fill="hold" nodeType="clickEffect">
                                   <p:stCondLst>
                                     <p:cond delay="0"/>
                                   </p:stCondLst>
                                   <p:childTnLst>
                                     <p:set>
                                       <p:cBhvr>
-                                        <p:cTn id="34" dur="1" fill="hold">
+                                        <p:cTn id="23" dur="1" fill="hold">
                                           <p:stCondLst>
                                             <p:cond delay="0"/>
                                           </p:stCondLst>
@@ -15828,7 +16573,7 @@
                                     </p:set>
                                     <p:animEffect transition="in" filter="fade">
                                       <p:cBhvr>
-                                        <p:cTn id="35" dur="500"/>
+                                        <p:cTn id="24" dur="500"/>
                                         <p:tgtEl>
                                           <p:spTgt spid="3">
                                             <p:txEl>
@@ -15941,7 +16686,7 @@
           <a:p>
             <a:r>
               <a:rPr lang="en-US" altLang="zh-CN" sz="3200" dirty="0"/>
-              <a:t>I, personally, are keen on FPS games</a:t>
+              <a:t>I, personally, am keen on FPS games</a:t>
             </a:r>
           </a:p>
           <a:p>
@@ -16397,7 +17142,7 @@
             </a:pPr>
             <a:r>
               <a:rPr lang="en-US" altLang="zh-CN" sz="2400" dirty="0"/>
-              <a:t>One mistake may result in a negative situation. </a:t>
+              <a:t>One mistake will possibly result in a negative situation. </a:t>
             </a:r>
           </a:p>
         </p:txBody>
@@ -16892,7 +17637,7 @@
           <a:p>
             <a:r>
               <a:rPr lang="en-US" altLang="zh-CN" dirty="0"/>
-              <a:t>One research cannot cover every aspects, closer and more detailed research is needed</a:t>
+              <a:t>One research cannot cover every aspects, relative thesis is scarce, closer and more detailed research is needed</a:t>
             </a:r>
           </a:p>
           <a:p>
@@ -17148,7 +17893,7 @@
               <a:buNone/>
             </a:pPr>
             <a:r>
-              <a:rPr lang="en-US" altLang="zh-CN" dirty="0"/>
+              <a:rPr lang="en-US" altLang="zh-CN" sz="3200" dirty="0"/>
               <a:t>Thank you for listening</a:t>
             </a:r>
           </a:p>
@@ -17157,10 +17902,10 @@
               <a:buNone/>
             </a:pPr>
             <a:r>
-              <a:rPr lang="en-US" altLang="zh-CN" dirty="0"/>
+              <a:rPr lang="en-US" altLang="zh-CN" sz="3200" dirty="0"/>
               <a:t>Questions?</a:t>
             </a:r>
-            <a:endParaRPr lang="zh-CN" altLang="en-US" dirty="0"/>
+            <a:endParaRPr lang="zh-CN" altLang="en-US" sz="3200" dirty="0"/>
           </a:p>
         </p:txBody>
       </p:sp>
@@ -19036,6 +19781,12 @@
             <a:r>
               <a:rPr lang="en-US" altLang="zh-CN" sz="2800" dirty="0"/>
               <a:t>Game Engine: lays the ready-made framework for game developers to create and build video games.</a:t>
+            </a:r>
+          </a:p>
+          <a:p>
+            <a:r>
+              <a:rPr lang="en-US" altLang="zh-CN" sz="2800" dirty="0"/>
+              <a:t>Different engine creates different scenery design</a:t>
             </a:r>
           </a:p>
           <a:p>
@@ -19951,6 +20702,56 @@
 </file>
 
 <file path=customXml/item1.xml><?xml version="1.0" encoding="utf-8"?>
+<?mso-contentType ?>
+<spe:Receivers xmlns:spe="http://schemas.microsoft.com/sharepoint/events">
+  <Receiver>
+    <Name>Document ID Generator</Name>
+    <Synchronization>Synchronous</Synchronization>
+    <Type>10001</Type>
+    <SequenceNumber>1000</SequenceNumber>
+    <Url/>
+    <Assembly>Microsoft.Office.DocumentManagement, Version=15.0.0.0, Culture=neutral, PublicKeyToken=71e9bce111e9429c</Assembly>
+    <Class>Microsoft.Office.DocumentManagement.Internal.DocIdHandler</Class>
+    <Data/>
+    <Filter/>
+  </Receiver>
+  <Receiver>
+    <Name>Document ID Generator</Name>
+    <Synchronization>Synchronous</Synchronization>
+    <Type>10002</Type>
+    <SequenceNumber>1001</SequenceNumber>
+    <Url/>
+    <Assembly>Microsoft.Office.DocumentManagement, Version=15.0.0.0, Culture=neutral, PublicKeyToken=71e9bce111e9429c</Assembly>
+    <Class>Microsoft.Office.DocumentManagement.Internal.DocIdHandler</Class>
+    <Data/>
+    <Filter/>
+  </Receiver>
+  <Receiver>
+    <Name>Document ID Generator</Name>
+    <Synchronization>Synchronous</Synchronization>
+    <Type>10004</Type>
+    <SequenceNumber>1002</SequenceNumber>
+    <Url/>
+    <Assembly>Microsoft.Office.DocumentManagement, Version=15.0.0.0, Culture=neutral, PublicKeyToken=71e9bce111e9429c</Assembly>
+    <Class>Microsoft.Office.DocumentManagement.Internal.DocIdHandler</Class>
+    <Data/>
+    <Filter/>
+  </Receiver>
+  <Receiver>
+    <Name>Document ID Generator</Name>
+    <Synchronization>Synchronous</Synchronization>
+    <Type>10006</Type>
+    <SequenceNumber>1003</SequenceNumber>
+    <Url/>
+    <Assembly>Microsoft.Office.DocumentManagement, Version=15.0.0.0, Culture=neutral, PublicKeyToken=71e9bce111e9429c</Assembly>
+    <Class>Microsoft.Office.DocumentManagement.Internal.DocIdHandler</Class>
+    <Data/>
+    <Filter/>
+  </Receiver>
+</spe:Receivers>
+</file>
+
+<file path=customXml/item2.xml><?xml version="1.0" encoding="utf-8"?>
 <ct:contentTypeSchema xmlns:ct="http://schemas.microsoft.com/office/2006/metadata/contentType" xmlns:ma="http://schemas.microsoft.com/office/2006/metadata/properties/metaAttributes" ct:_="" ma:_="" ma:contentTypeName="Dokument" ma:contentTypeID="0x010100E19041EF918B444F9772472982E64F5F" ma:contentTypeVersion="12" ma:contentTypeDescription="Ein neues Dokument erstellen." ma:contentTypeScope="" ma:versionID="5431df10b160cca2d8c382dfa97d473c">
   <xsd:schema xmlns:xsd="http://www.w3.org/2001/XMLSchema" xmlns:xs="http://www.w3.org/2001/XMLSchema" xmlns:p="http://schemas.microsoft.com/office/2006/metadata/properties" xmlns:ns2="845ba726-4aaa-4e93-bec4-fb020baba1ef" xmlns:ns3="6e9c68af-8bb9-4c8e-acaa-c005a2bd5618" targetNamespace="http://schemas.microsoft.com/office/2006/metadata/properties" ma:root="true" ma:fieldsID="17d83703f2846298eec18ae54efef47c" ns2:_="" ns3:_="">
     <xsd:import namespace="845ba726-4aaa-4e93-bec4-fb020baba1ef"/>
@@ -20145,66 +20946,7 @@
 </ct:contentTypeSchema>
 </file>
 
-<file path=customXml/item2.xml><?xml version="1.0" encoding="utf-8"?>
-<?mso-contentType ?>
-<spe:Receivers xmlns:spe="http://schemas.microsoft.com/sharepoint/events">
-  <Receiver>
-    <Name>Document ID Generator</Name>
-    <Synchronization>Synchronous</Synchronization>
-    <Type>10001</Type>
-    <SequenceNumber>1000</SequenceNumber>
-    <Url/>
-    <Assembly>Microsoft.Office.DocumentManagement, Version=15.0.0.0, Culture=neutral, PublicKeyToken=71e9bce111e9429c</Assembly>
-    <Class>Microsoft.Office.DocumentManagement.Internal.DocIdHandler</Class>
-    <Data/>
-    <Filter/>
-  </Receiver>
-  <Receiver>
-    <Name>Document ID Generator</Name>
-    <Synchronization>Synchronous</Synchronization>
-    <Type>10002</Type>
-    <SequenceNumber>1001</SequenceNumber>
-    <Url/>
-    <Assembly>Microsoft.Office.DocumentManagement, Version=15.0.0.0, Culture=neutral, PublicKeyToken=71e9bce111e9429c</Assembly>
-    <Class>Microsoft.Office.DocumentManagement.Internal.DocIdHandler</Class>
-    <Data/>
-    <Filter/>
-  </Receiver>
-  <Receiver>
-    <Name>Document ID Generator</Name>
-    <Synchronization>Synchronous</Synchronization>
-    <Type>10004</Type>
-    <SequenceNumber>1002</SequenceNumber>
-    <Url/>
-    <Assembly>Microsoft.Office.DocumentManagement, Version=15.0.0.0, Culture=neutral, PublicKeyToken=71e9bce111e9429c</Assembly>
-    <Class>Microsoft.Office.DocumentManagement.Internal.DocIdHandler</Class>
-    <Data/>
-    <Filter/>
-  </Receiver>
-  <Receiver>
-    <Name>Document ID Generator</Name>
-    <Synchronization>Synchronous</Synchronization>
-    <Type>10006</Type>
-    <SequenceNumber>1003</SequenceNumber>
-    <Url/>
-    <Assembly>Microsoft.Office.DocumentManagement, Version=15.0.0.0, Culture=neutral, PublicKeyToken=71e9bce111e9429c</Assembly>
-    <Class>Microsoft.Office.DocumentManagement.Internal.DocIdHandler</Class>
-    <Data/>
-    <Filter/>
-  </Receiver>
-</spe:Receivers>
-</file>
-
 <file path=customXml/item3.xml><?xml version="1.0" encoding="utf-8"?>
-<?mso-contentType ?>
-<FormTemplates xmlns="http://schemas.microsoft.com/sharepoint/v3/contenttype/forms">
-  <Display>DocumentLibraryForm</Display>
-  <Edit>DocumentLibraryForm</Edit>
-  <New>DocumentLibraryForm</New>
-</FormTemplates>
-</file>
-
-<file path=customXml/item4.xml><?xml version="1.0" encoding="utf-8"?>
 <p:properties xmlns:p="http://schemas.microsoft.com/office/2006/metadata/properties" xmlns:xsi="http://www.w3.org/2001/XMLSchema-instance" xmlns:pc="http://schemas.microsoft.com/office/infopath/2007/PartnerControls">
   <documentManagement>
     <g_x00fc_ltig_x0020_f_x00fc_r xmlns="845ba726-4aaa-4e93-bec4-fb020baba1ef">
@@ -20221,7 +20963,24 @@
 </p:properties>
 </file>
 
+<file path=customXml/item4.xml><?xml version="1.0" encoding="utf-8"?>
+<?mso-contentType ?>
+<FormTemplates xmlns="http://schemas.microsoft.com/sharepoint/v3/contenttype/forms">
+  <Display>DocumentLibraryForm</Display>
+  <Edit>DocumentLibraryForm</Edit>
+  <New>DocumentLibraryForm</New>
+</FormTemplates>
+</file>
+
 <file path=customXml/itemProps1.xml><?xml version="1.0" encoding="utf-8"?>
+<ds:datastoreItem xmlns:ds="http://schemas.openxmlformats.org/officeDocument/2006/customXml" ds:itemID="{B39F3F91-05D9-40EC-8D61-C01E4D263D30}">
+  <ds:schemaRefs>
+    <ds:schemaRef ds:uri="http://schemas.microsoft.com/sharepoint/events"/>
+  </ds:schemaRefs>
+</ds:datastoreItem>
+</file>
+
+<file path=customXml/itemProps2.xml><?xml version="1.0" encoding="utf-8"?>
 <ds:datastoreItem xmlns:ds="http://schemas.openxmlformats.org/officeDocument/2006/customXml" ds:itemID="{E12D1320-C39D-4CBC-A270-C99B6FCC53AA}">
   <ds:schemaRefs>
     <ds:schemaRef ds:uri="http://schemas.microsoft.com/office/2006/metadata/contentType"/>
@@ -20240,23 +20999,7 @@
 </ds:datastoreItem>
 </file>
 
-<file path=customXml/itemProps2.xml><?xml version="1.0" encoding="utf-8"?>
-<ds:datastoreItem xmlns:ds="http://schemas.openxmlformats.org/officeDocument/2006/customXml" ds:itemID="{B39F3F91-05D9-40EC-8D61-C01E4D263D30}">
-  <ds:schemaRefs>
-    <ds:schemaRef ds:uri="http://schemas.microsoft.com/sharepoint/events"/>
-  </ds:schemaRefs>
-</ds:datastoreItem>
-</file>
-
 <file path=customXml/itemProps3.xml><?xml version="1.0" encoding="utf-8"?>
-<ds:datastoreItem xmlns:ds="http://schemas.openxmlformats.org/officeDocument/2006/customXml" ds:itemID="{ED3D3A19-ED09-4DD7-9426-07D1E887650F}">
-  <ds:schemaRefs>
-    <ds:schemaRef ds:uri="http://schemas.microsoft.com/sharepoint/v3/contenttype/forms"/>
-  </ds:schemaRefs>
-</ds:datastoreItem>
-</file>
-
-<file path=customXml/itemProps4.xml><?xml version="1.0" encoding="utf-8"?>
 <ds:datastoreItem xmlns:ds="http://schemas.openxmlformats.org/officeDocument/2006/customXml" ds:itemID="{5112E12E-506B-4B86-912F-79AF41128B53}">
   <ds:schemaRefs>
     <ds:schemaRef ds:uri="http://schemas.microsoft.com/office/2006/metadata/properties"/>
@@ -20271,4 +21014,12 @@
     <ds:schemaRef ds:uri="http://purl.org/dc/dcmitype/"/>
   </ds:schemaRefs>
 </ds:datastoreItem>
+</file>
+
+<file path=customXml/itemProps4.xml><?xml version="1.0" encoding="utf-8"?>
+<ds:datastoreItem xmlns:ds="http://schemas.openxmlformats.org/officeDocument/2006/customXml" ds:itemID="{ED3D3A19-ED09-4DD7-9426-07D1E887650F}">
+  <ds:schemaRefs>
+    <ds:schemaRef ds:uri="http://schemas.microsoft.com/sharepoint/v3/contenttype/forms"/>
+  </ds:schemaRefs>
+</ds:datastoreItem>
 </file>
--- a/Oral Examination.pptx
+++ b/Oral Examination.pptx
@@ -245,7 +245,7 @@
           <a:p>
             <a:fld id="{1E2A46F1-A91B-4464-BB68-EAF86F9E9A67}" type="datetimeFigureOut">
               <a:rPr lang="de-DE" smtClean="0"/>
-              <a:t>12.06.2019</a:t>
+              <a:t>13.06.2019</a:t>
             </a:fld>
             <a:endParaRPr lang="de-DE"/>
           </a:p>
@@ -410,7 +410,7 @@
           <a:p>
             <a:fld id="{36A3B97C-D1AA-44E7-8716-F8FE24133022}" type="datetimeFigureOut">
               <a:rPr lang="de-DE" smtClean="0"/>
-              <a:t>12.06.2019</a:t>
+              <a:t>13.06.2019</a:t>
             </a:fld>
             <a:endParaRPr lang="de-DE"/>
           </a:p>
@@ -972,7 +972,7 @@
           <a:p>
             <a:fld id="{8C23C7BD-2C04-4636-83E5-7A45CCCDA268}" type="datetime1">
               <a:rPr lang="de-DE" smtClean="0"/>
-              <a:t>12.06.2019</a:t>
+              <a:t>13.06.2019</a:t>
             </a:fld>
             <a:endParaRPr lang="de-DE" dirty="0"/>
           </a:p>
@@ -1343,7 +1343,7 @@
           <a:p>
             <a:fld id="{B015FA98-508F-4DFD-99A8-E9D2B7D1B0C5}" type="datetime1">
               <a:rPr lang="de-DE" smtClean="0"/>
-              <a:t>12.06.2019</a:t>
+              <a:t>13.06.2019</a:t>
             </a:fld>
             <a:endParaRPr lang="de-DE" dirty="0"/>
           </a:p>
@@ -1756,7 +1756,7 @@
           <a:p>
             <a:fld id="{19552BF9-7189-4CC9-AC56-7CE276882510}" type="datetime1">
               <a:rPr lang="de-DE" smtClean="0"/>
-              <a:t>12.06.2019</a:t>
+              <a:t>13.06.2019</a:t>
             </a:fld>
             <a:endParaRPr lang="de-DE" dirty="0"/>
           </a:p>
@@ -2314,7 +2314,7 @@
           <a:p>
             <a:fld id="{CADCE344-72E0-4185-A7C5-9160213D1C27}" type="datetime1">
               <a:rPr lang="de-DE" smtClean="0"/>
-              <a:t>12.06.2019</a:t>
+              <a:t>13.06.2019</a:t>
             </a:fld>
             <a:endParaRPr lang="de-DE" dirty="0"/>
           </a:p>
@@ -2742,7 +2742,7 @@
           <a:p>
             <a:fld id="{CADCE344-72E0-4185-A7C5-9160213D1C27}" type="datetime1">
               <a:rPr lang="de-DE" smtClean="0"/>
-              <a:t>12.06.2019</a:t>
+              <a:t>13.06.2019</a:t>
             </a:fld>
             <a:endParaRPr lang="de-DE" dirty="0"/>
           </a:p>
@@ -3124,7 +3124,7 @@
           <a:p>
             <a:fld id="{9647EF87-0067-4803-B202-6629D261B2DB}" type="datetime1">
               <a:rPr lang="de-DE" smtClean="0"/>
-              <a:t>12.06.2019</a:t>
+              <a:t>13.06.2019</a:t>
             </a:fld>
             <a:endParaRPr lang="de-DE" dirty="0"/>
           </a:p>
@@ -3658,7 +3658,7 @@
           <a:p>
             <a:fld id="{8C23C7BD-2C04-4636-83E5-7A45CCCDA268}" type="datetime1">
               <a:rPr lang="de-DE" smtClean="0"/>
-              <a:t>12.06.2019</a:t>
+              <a:t>13.06.2019</a:t>
             </a:fld>
             <a:endParaRPr lang="de-DE" dirty="0"/>
           </a:p>
@@ -3864,7 +3864,7 @@
           <a:p>
             <a:fld id="{B015FA98-508F-4DFD-99A8-E9D2B7D1B0C5}" type="datetime1">
               <a:rPr lang="de-DE" smtClean="0"/>
-              <a:t>12.06.2019</a:t>
+              <a:t>13.06.2019</a:t>
             </a:fld>
             <a:endParaRPr lang="de-DE" dirty="0"/>
           </a:p>
@@ -4132,7 +4132,7 @@
           <a:p>
             <a:fld id="{B015FA98-508F-4DFD-99A8-E9D2B7D1B0C5}" type="datetime1">
               <a:rPr lang="de-DE" smtClean="0"/>
-              <a:t>12.06.2019</a:t>
+              <a:t>13.06.2019</a:t>
             </a:fld>
             <a:endParaRPr lang="de-DE" dirty="0"/>
           </a:p>
@@ -4433,7 +4433,7 @@
           <a:p>
             <a:fld id="{B015FA98-508F-4DFD-99A8-E9D2B7D1B0C5}" type="datetime1">
               <a:rPr lang="de-DE" smtClean="0"/>
-              <a:t>12.06.2019</a:t>
+              <a:t>13.06.2019</a:t>
             </a:fld>
             <a:endParaRPr lang="de-DE" dirty="0"/>
           </a:p>
@@ -5274,7 +5274,7 @@
           <a:p>
             <a:fld id="{B015FA98-508F-4DFD-99A8-E9D2B7D1B0C5}" type="datetime1">
               <a:rPr lang="de-DE" smtClean="0"/>
-              <a:t>12.06.2019</a:t>
+              <a:t>13.06.2019</a:t>
             </a:fld>
             <a:endParaRPr lang="de-DE" dirty="0"/>
           </a:p>
@@ -5602,7 +5602,7 @@
           <a:p>
             <a:fld id="{B015FA98-508F-4DFD-99A8-E9D2B7D1B0C5}" type="datetime1">
               <a:rPr lang="de-DE" smtClean="0"/>
-              <a:t>12.06.2019</a:t>
+              <a:t>13.06.2019</a:t>
             </a:fld>
             <a:endParaRPr lang="de-DE" dirty="0"/>
           </a:p>
@@ -6302,7 +6302,7 @@
           <a:p>
             <a:fld id="{B015FA98-508F-4DFD-99A8-E9D2B7D1B0C5}" type="datetime1">
               <a:rPr lang="de-DE" smtClean="0"/>
-              <a:t>12.06.2019</a:t>
+              <a:t>13.06.2019</a:t>
             </a:fld>
             <a:endParaRPr lang="de-DE" dirty="0"/>
           </a:p>
@@ -7061,7 +7061,7 @@
           <a:p>
             <a:fld id="{B015FA98-508F-4DFD-99A8-E9D2B7D1B0C5}" type="datetime1">
               <a:rPr lang="de-DE" smtClean="0"/>
-              <a:t>12.06.2019</a:t>
+              <a:t>13.06.2019</a:t>
             </a:fld>
             <a:endParaRPr lang="de-DE" dirty="0"/>
           </a:p>
@@ -7349,7 +7349,7 @@
           <a:p>
             <a:fld id="{B015FA98-508F-4DFD-99A8-E9D2B7D1B0C5}" type="datetime1">
               <a:rPr lang="de-DE" smtClean="0"/>
-              <a:t>12.06.2019</a:t>
+              <a:t>13.06.2019</a:t>
             </a:fld>
             <a:endParaRPr lang="de-DE" dirty="0"/>
           </a:p>
@@ -7699,7 +7699,7 @@
           <a:p>
             <a:fld id="{B015FA98-508F-4DFD-99A8-E9D2B7D1B0C5}" type="datetime1">
               <a:rPr lang="de-DE" smtClean="0"/>
-              <a:t>12.06.2019</a:t>
+              <a:t>13.06.2019</a:t>
             </a:fld>
             <a:endParaRPr lang="de-DE" dirty="0"/>
           </a:p>
@@ -7958,7 +7958,7 @@
           <a:p>
             <a:fld id="{B015FA98-508F-4DFD-99A8-E9D2B7D1B0C5}" type="datetime1">
               <a:rPr lang="de-DE" smtClean="0"/>
-              <a:t>12.06.2019</a:t>
+              <a:t>13.06.2019</a:t>
             </a:fld>
             <a:endParaRPr lang="de-DE" dirty="0"/>
           </a:p>
@@ -8189,7 +8189,7 @@
           <a:p>
             <a:fld id="{B015FA98-508F-4DFD-99A8-E9D2B7D1B0C5}" type="datetime1">
               <a:rPr lang="de-DE" smtClean="0"/>
-              <a:t>12.06.2019</a:t>
+              <a:t>13.06.2019</a:t>
             </a:fld>
             <a:endParaRPr lang="de-DE" dirty="0"/>
           </a:p>
@@ -8509,7 +8509,7 @@
           <a:p>
             <a:fld id="{B015FA98-508F-4DFD-99A8-E9D2B7D1B0C5}" type="datetime1">
               <a:rPr lang="de-DE" smtClean="0"/>
-              <a:t>12.06.2019</a:t>
+              <a:t>13.06.2019</a:t>
             </a:fld>
             <a:endParaRPr lang="de-DE" dirty="0"/>
           </a:p>
@@ -8904,7 +8904,7 @@
           <a:p>
             <a:fld id="{B015FA98-508F-4DFD-99A8-E9D2B7D1B0C5}" type="datetime1">
               <a:rPr lang="de-DE" smtClean="0"/>
-              <a:t>12.06.2019</a:t>
+              <a:t>13.06.2019</a:t>
             </a:fld>
             <a:endParaRPr lang="de-DE" dirty="0"/>
           </a:p>
@@ -9436,7 +9436,7 @@
           <a:p>
             <a:fld id="{B015FA98-508F-4DFD-99A8-E9D2B7D1B0C5}" type="datetime1">
               <a:rPr lang="de-DE" smtClean="0"/>
-              <a:t>12.06.2019</a:t>
+              <a:t>13.06.2019</a:t>
             </a:fld>
             <a:endParaRPr lang="de-DE" dirty="0"/>
           </a:p>
@@ -9954,7 +9954,7 @@
           <a:p>
             <a:fld id="{B015FA98-508F-4DFD-99A8-E9D2B7D1B0C5}" type="datetime1">
               <a:rPr lang="de-DE" smtClean="0"/>
-              <a:t>12.06.2019</a:t>
+              <a:t>13.06.2019</a:t>
             </a:fld>
             <a:endParaRPr lang="de-DE" dirty="0"/>
           </a:p>
@@ -10192,7 +10192,7 @@
           <a:p>
             <a:fld id="{B015FA98-508F-4DFD-99A8-E9D2B7D1B0C5}" type="datetime1">
               <a:rPr lang="de-DE" smtClean="0"/>
-              <a:t>12.06.2019</a:t>
+              <a:t>13.06.2019</a:t>
             </a:fld>
             <a:endParaRPr lang="de-DE" dirty="0"/>
           </a:p>
@@ -10418,7 +10418,7 @@
           <a:p>
             <a:fld id="{B015FA98-508F-4DFD-99A8-E9D2B7D1B0C5}" type="datetime1">
               <a:rPr lang="de-DE" smtClean="0"/>
-              <a:t>12.06.2019</a:t>
+              <a:t>13.06.2019</a:t>
             </a:fld>
             <a:endParaRPr lang="de-DE" dirty="0"/>
           </a:p>
@@ -10681,7 +10681,7 @@
           <a:p>
             <a:fld id="{B015FA98-508F-4DFD-99A8-E9D2B7D1B0C5}" type="datetime1">
               <a:rPr lang="de-DE" smtClean="0"/>
-              <a:t>12.06.2019</a:t>
+              <a:t>13.06.2019</a:t>
             </a:fld>
             <a:endParaRPr lang="de-DE" dirty="0"/>
           </a:p>
@@ -10882,7 +10882,7 @@
           <a:p>
             <a:fld id="{B015FA98-508F-4DFD-99A8-E9D2B7D1B0C5}" type="datetime1">
               <a:rPr lang="de-DE" smtClean="0"/>
-              <a:t>12.06.2019</a:t>
+              <a:t>13.06.2019</a:t>
             </a:fld>
             <a:endParaRPr lang="de-DE" dirty="0"/>
           </a:p>
@@ -11240,7 +11240,7 @@
           <a:p>
             <a:fld id="{B015FA98-508F-4DFD-99A8-E9D2B7D1B0C5}" type="datetime1">
               <a:rPr lang="de-DE" smtClean="0"/>
-              <a:t>12.06.2019</a:t>
+              <a:t>13.06.2019</a:t>
             </a:fld>
             <a:endParaRPr lang="de-DE" dirty="0"/>
           </a:p>
@@ -11509,7 +11509,7 @@
           <a:p>
             <a:fld id="{B015FA98-508F-4DFD-99A8-E9D2B7D1B0C5}" type="datetime1">
               <a:rPr lang="de-DE" smtClean="0"/>
-              <a:t>12.06.2019</a:t>
+              <a:t>13.06.2019</a:t>
             </a:fld>
             <a:endParaRPr lang="de-DE" dirty="0"/>
           </a:p>
@@ -12111,7 +12111,7 @@
           <a:p>
             <a:fld id="{B015FA98-508F-4DFD-99A8-E9D2B7D1B0C5}" type="datetime1">
               <a:rPr lang="de-DE" smtClean="0"/>
-              <a:t>12.06.2019</a:t>
+              <a:t>13.06.2019</a:t>
             </a:fld>
             <a:endParaRPr lang="de-DE" dirty="0"/>
           </a:p>
@@ -12524,7 +12524,7 @@
           <a:p>
             <a:fld id="{B015FA98-508F-4DFD-99A8-E9D2B7D1B0C5}" type="datetime1">
               <a:rPr lang="de-DE" smtClean="0"/>
-              <a:t>12.06.2019</a:t>
+              <a:t>13.06.2019</a:t>
             </a:fld>
             <a:endParaRPr lang="de-DE" dirty="0"/>
           </a:p>
@@ -12873,7 +12873,7 @@
           <a:p>
             <a:fld id="{B015FA98-508F-4DFD-99A8-E9D2B7D1B0C5}" type="datetime1">
               <a:rPr lang="de-DE" smtClean="0"/>
-              <a:t>12.06.2019</a:t>
+              <a:t>13.06.2019</a:t>
             </a:fld>
             <a:endParaRPr lang="de-DE" dirty="0"/>
           </a:p>
@@ -13588,7 +13588,7 @@
           <a:p>
             <a:fld id="{B015FA98-508F-4DFD-99A8-E9D2B7D1B0C5}" type="datetime1">
               <a:rPr lang="de-DE" smtClean="0"/>
-              <a:t>12.06.2019</a:t>
+              <a:t>13.06.2019</a:t>
             </a:fld>
             <a:endParaRPr lang="de-DE" dirty="0"/>
           </a:p>
@@ -13884,7 +13884,7 @@
           <a:p>
             <a:fld id="{B015FA98-508F-4DFD-99A8-E9D2B7D1B0C5}" type="datetime1">
               <a:rPr lang="de-DE" smtClean="0"/>
-              <a:t>12.06.2019</a:t>
+              <a:t>13.06.2019</a:t>
             </a:fld>
             <a:endParaRPr lang="de-DE" dirty="0"/>
           </a:p>
@@ -15890,7 +15890,7 @@
           <a:p>
             <a:fld id="{B015FA98-508F-4DFD-99A8-E9D2B7D1B0C5}" type="datetime1">
               <a:rPr lang="de-DE" smtClean="0"/>
-              <a:t>12.06.2019</a:t>
+              <a:t>13.06.2019</a:t>
             </a:fld>
             <a:endParaRPr lang="de-DE" dirty="0"/>
           </a:p>
@@ -16766,7 +16766,7 @@
           <a:p>
             <a:fld id="{B015FA98-508F-4DFD-99A8-E9D2B7D1B0C5}" type="datetime1">
               <a:rPr lang="de-DE" smtClean="0"/>
-              <a:t>12.06.2019</a:t>
+              <a:t>13.06.2019</a:t>
             </a:fld>
             <a:endParaRPr lang="de-DE" dirty="0"/>
           </a:p>
@@ -17145,6 +17145,21 @@
               <a:t>One mistake will possibly result in a negative situation. </a:t>
             </a:r>
           </a:p>
+          <a:p>
+            <a:pPr marL="0" indent="0">
+              <a:buNone/>
+            </a:pPr>
+            <a:endParaRPr lang="en-US" altLang="zh-CN" sz="2400" dirty="0"/>
+          </a:p>
+          <a:p>
+            <a:pPr marL="0" indent="0">
+              <a:buNone/>
+            </a:pPr>
+            <a:r>
+              <a:rPr lang="en-US" altLang="zh-CN" sz="2400" dirty="0"/>
+              <a:t>This bachelor thesis is guideline for game developers, reminding them critical factors, to help them develop more remarkable game with fantastic scenery design. </a:t>
+            </a:r>
+          </a:p>
         </p:txBody>
       </p:sp>
       <p:sp>
@@ -17199,7 +17214,7 @@
           <a:p>
             <a:fld id="{B015FA98-508F-4DFD-99A8-E9D2B7D1B0C5}" type="datetime1">
               <a:rPr lang="de-DE" smtClean="0"/>
-              <a:t>12.06.2019</a:t>
+              <a:t>13.06.2019</a:t>
             </a:fld>
             <a:endParaRPr lang="de-DE" dirty="0"/>
           </a:p>
@@ -17333,6 +17348,97 @@
   <p:clrMapOvr>
     <a:masterClrMapping/>
   </p:clrMapOvr>
+  <p:timing>
+    <p:tnLst>
+      <p:par>
+        <p:cTn id="1" dur="indefinite" restart="never" nodeType="tmRoot">
+          <p:childTnLst>
+            <p:seq concurrent="1" nextAc="seek">
+              <p:cTn id="2" dur="indefinite" nodeType="mainSeq">
+                <p:childTnLst>
+                  <p:par>
+                    <p:cTn id="3" fill="hold">
+                      <p:stCondLst>
+                        <p:cond delay="indefinite"/>
+                      </p:stCondLst>
+                      <p:childTnLst>
+                        <p:par>
+                          <p:cTn id="4" fill="hold">
+                            <p:stCondLst>
+                              <p:cond delay="0"/>
+                            </p:stCondLst>
+                            <p:childTnLst>
+                              <p:par>
+                                <p:cTn id="5" presetID="10" presetClass="entr" presetSubtype="0" fill="hold" nodeType="clickEffect">
+                                  <p:stCondLst>
+                                    <p:cond delay="0"/>
+                                  </p:stCondLst>
+                                  <p:childTnLst>
+                                    <p:set>
+                                      <p:cBhvr>
+                                        <p:cTn id="6" dur="1" fill="hold">
+                                          <p:stCondLst>
+                                            <p:cond delay="0"/>
+                                          </p:stCondLst>
+                                        </p:cTn>
+                                        <p:tgtEl>
+                                          <p:spTgt spid="3">
+                                            <p:txEl>
+                                              <p:pRg st="7" end="7"/>
+                                            </p:txEl>
+                                          </p:spTgt>
+                                        </p:tgtEl>
+                                        <p:attrNameLst>
+                                          <p:attrName>style.visibility</p:attrName>
+                                        </p:attrNameLst>
+                                      </p:cBhvr>
+                                      <p:to>
+                                        <p:strVal val="visible"/>
+                                      </p:to>
+                                    </p:set>
+                                    <p:animEffect transition="in" filter="fade">
+                                      <p:cBhvr>
+                                        <p:cTn id="7" dur="500"/>
+                                        <p:tgtEl>
+                                          <p:spTgt spid="3">
+                                            <p:txEl>
+                                              <p:pRg st="7" end="7"/>
+                                            </p:txEl>
+                                          </p:spTgt>
+                                        </p:tgtEl>
+                                      </p:cBhvr>
+                                    </p:animEffect>
+                                  </p:childTnLst>
+                                </p:cTn>
+                              </p:par>
+                            </p:childTnLst>
+                          </p:cTn>
+                        </p:par>
+                      </p:childTnLst>
+                    </p:cTn>
+                  </p:par>
+                </p:childTnLst>
+              </p:cTn>
+              <p:prevCondLst>
+                <p:cond evt="onPrev" delay="0">
+                  <p:tgtEl>
+                    <p:sldTgt/>
+                  </p:tgtEl>
+                </p:cond>
+              </p:prevCondLst>
+              <p:nextCondLst>
+                <p:cond evt="onNext" delay="0">
+                  <p:tgtEl>
+                    <p:sldTgt/>
+                  </p:tgtEl>
+                </p:cond>
+              </p:nextCondLst>
+            </p:seq>
+          </p:childTnLst>
+        </p:cTn>
+      </p:par>
+    </p:tnLst>
+  </p:timing>
 </p:sld>
 </file>
 
@@ -17460,7 +17566,7 @@
           <a:p>
             <a:fld id="{B015FA98-508F-4DFD-99A8-E9D2B7D1B0C5}" type="datetime1">
               <a:rPr lang="de-DE" smtClean="0"/>
-              <a:t>12.06.2019</a:t>
+              <a:t>13.06.2019</a:t>
             </a:fld>
             <a:endParaRPr lang="de-DE" dirty="0"/>
           </a:p>
@@ -17680,7 +17786,7 @@
           <a:p>
             <a:fld id="{B015FA98-508F-4DFD-99A8-E9D2B7D1B0C5}" type="datetime1">
               <a:rPr lang="de-DE" smtClean="0"/>
-              <a:t>12.06.2019</a:t>
+              <a:t>13.06.2019</a:t>
             </a:fld>
             <a:endParaRPr lang="de-DE" dirty="0"/>
           </a:p>
@@ -17932,7 +18038,7 @@
           <a:p>
             <a:fld id="{B015FA98-508F-4DFD-99A8-E9D2B7D1B0C5}" type="datetime1">
               <a:rPr lang="de-DE" smtClean="0"/>
-              <a:t>12.06.2019</a:t>
+              <a:t>13.06.2019</a:t>
             </a:fld>
             <a:endParaRPr lang="de-DE" dirty="0"/>
           </a:p>
@@ -18157,7 +18263,7 @@
           <a:p>
             <a:fld id="{B015FA98-508F-4DFD-99A8-E9D2B7D1B0C5}" type="datetime1">
               <a:rPr lang="de-DE" smtClean="0"/>
-              <a:t>12.06.2019</a:t>
+              <a:t>13.06.2019</a:t>
             </a:fld>
             <a:endParaRPr lang="de-DE" dirty="0"/>
           </a:p>
@@ -18417,7 +18523,7 @@
           <a:p>
             <a:fld id="{B015FA98-508F-4DFD-99A8-E9D2B7D1B0C5}" type="datetime1">
               <a:rPr lang="de-DE" smtClean="0"/>
-              <a:t>12.06.2019</a:t>
+              <a:t>13.06.2019</a:t>
             </a:fld>
             <a:endParaRPr lang="de-DE" dirty="0"/>
           </a:p>
@@ -18890,7 +18996,7 @@
           <a:p>
             <a:fld id="{B015FA98-508F-4DFD-99A8-E9D2B7D1B0C5}" type="datetime1">
               <a:rPr lang="de-DE" smtClean="0"/>
-              <a:t>12.06.2019</a:t>
+              <a:t>13.06.2019</a:t>
             </a:fld>
             <a:endParaRPr lang="de-DE" dirty="0"/>
           </a:p>
@@ -19432,7 +19538,7 @@
           <a:p>
             <a:fld id="{B015FA98-508F-4DFD-99A8-E9D2B7D1B0C5}" type="datetime1">
               <a:rPr lang="de-DE" smtClean="0"/>
-              <a:t>12.06.2019</a:t>
+              <a:t>13.06.2019</a:t>
             </a:fld>
             <a:endParaRPr lang="de-DE" dirty="0"/>
           </a:p>
@@ -19865,7 +19971,7 @@
           <a:p>
             <a:fld id="{B015FA98-508F-4DFD-99A8-E9D2B7D1B0C5}" type="datetime1">
               <a:rPr lang="de-DE" smtClean="0"/>
-              <a:t>12.06.2019</a:t>
+              <a:t>13.06.2019</a:t>
             </a:fld>
             <a:endParaRPr lang="de-DE" dirty="0"/>
           </a:p>
@@ -20702,56 +20808,6 @@
 </file>
 
 <file path=customXml/item1.xml><?xml version="1.0" encoding="utf-8"?>
-<?mso-contentType ?>
-<spe:Receivers xmlns:spe="http://schemas.microsoft.com/sharepoint/events">
-  <Receiver>
-    <Name>Document ID Generator</Name>
-    <Synchronization>Synchronous</Synchronization>
-    <Type>10001</Type>
-    <SequenceNumber>1000</SequenceNumber>
-    <Url/>
-    <Assembly>Microsoft.Office.DocumentManagement, Version=15.0.0.0, Culture=neutral, PublicKeyToken=71e9bce111e9429c</Assembly>
-    <Class>Microsoft.Office.DocumentManagement.Internal.DocIdHandler</Class>
-    <Data/>
-    <Filter/>
-  </Receiver>
-  <Receiver>
-    <Name>Document ID Generator</Name>
-    <Synchronization>Synchronous</Synchronization>
-    <Type>10002</Type>
-    <SequenceNumber>1001</SequenceNumber>
-    <Url/>
-    <Assembly>Microsoft.Office.DocumentManagement, Version=15.0.0.0, Culture=neutral, PublicKeyToken=71e9bce111e9429c</Assembly>
-    <Class>Microsoft.Office.DocumentManagement.Internal.DocIdHandler</Class>
-    <Data/>
-    <Filter/>
-  </Receiver>
-  <Receiver>
-    <Name>Document ID Generator</Name>
-    <Synchronization>Synchronous</Synchronization>
-    <Type>10004</Type>
-    <SequenceNumber>1002</SequenceNumber>
-    <Url/>
-    <Assembly>Microsoft.Office.DocumentManagement, Version=15.0.0.0, Culture=neutral, PublicKeyToken=71e9bce111e9429c</Assembly>
-    <Class>Microsoft.Office.DocumentManagement.Internal.DocIdHandler</Class>
-    <Data/>
-    <Filter/>
-  </Receiver>
-  <Receiver>
-    <Name>Document ID Generator</Name>
-    <Synchronization>Synchronous</Synchronization>
-    <Type>10006</Type>
-    <SequenceNumber>1003</SequenceNumber>
-    <Url/>
-    <Assembly>Microsoft.Office.DocumentManagement, Version=15.0.0.0, Culture=neutral, PublicKeyToken=71e9bce111e9429c</Assembly>
-    <Class>Microsoft.Office.DocumentManagement.Internal.DocIdHandler</Class>
-    <Data/>
-    <Filter/>
-  </Receiver>
-</spe:Receivers>
-</file>
-
-<file path=customXml/item2.xml><?xml version="1.0" encoding="utf-8"?>
 <ct:contentTypeSchema xmlns:ct="http://schemas.microsoft.com/office/2006/metadata/contentType" xmlns:ma="http://schemas.microsoft.com/office/2006/metadata/properties/metaAttributes" ct:_="" ma:_="" ma:contentTypeName="Dokument" ma:contentTypeID="0x010100E19041EF918B444F9772472982E64F5F" ma:contentTypeVersion="12" ma:contentTypeDescription="Ein neues Dokument erstellen." ma:contentTypeScope="" ma:versionID="5431df10b160cca2d8c382dfa97d473c">
   <xsd:schema xmlns:xsd="http://www.w3.org/2001/XMLSchema" xmlns:xs="http://www.w3.org/2001/XMLSchema" xmlns:p="http://schemas.microsoft.com/office/2006/metadata/properties" xmlns:ns2="845ba726-4aaa-4e93-bec4-fb020baba1ef" xmlns:ns3="6e9c68af-8bb9-4c8e-acaa-c005a2bd5618" targetNamespace="http://schemas.microsoft.com/office/2006/metadata/properties" ma:root="true" ma:fieldsID="17d83703f2846298eec18ae54efef47c" ns2:_="" ns3:_="">
     <xsd:import namespace="845ba726-4aaa-4e93-bec4-fb020baba1ef"/>
@@ -20946,7 +21002,66 @@
 </ct:contentTypeSchema>
 </file>
 
+<file path=customXml/item2.xml><?xml version="1.0" encoding="utf-8"?>
+<?mso-contentType ?>
+<spe:Receivers xmlns:spe="http://schemas.microsoft.com/sharepoint/events">
+  <Receiver>
+    <Name>Document ID Generator</Name>
+    <Synchronization>Synchronous</Synchronization>
+    <Type>10001</Type>
+    <SequenceNumber>1000</SequenceNumber>
+    <Url/>
+    <Assembly>Microsoft.Office.DocumentManagement, Version=15.0.0.0, Culture=neutral, PublicKeyToken=71e9bce111e9429c</Assembly>
+    <Class>Microsoft.Office.DocumentManagement.Internal.DocIdHandler</Class>
+    <Data/>
+    <Filter/>
+  </Receiver>
+  <Receiver>
+    <Name>Document ID Generator</Name>
+    <Synchronization>Synchronous</Synchronization>
+    <Type>10002</Type>
+    <SequenceNumber>1001</SequenceNumber>
+    <Url/>
+    <Assembly>Microsoft.Office.DocumentManagement, Version=15.0.0.0, Culture=neutral, PublicKeyToken=71e9bce111e9429c</Assembly>
+    <Class>Microsoft.Office.DocumentManagement.Internal.DocIdHandler</Class>
+    <Data/>
+    <Filter/>
+  </Receiver>
+  <Receiver>
+    <Name>Document ID Generator</Name>
+    <Synchronization>Synchronous</Synchronization>
+    <Type>10004</Type>
+    <SequenceNumber>1002</SequenceNumber>
+    <Url/>
+    <Assembly>Microsoft.Office.DocumentManagement, Version=15.0.0.0, Culture=neutral, PublicKeyToken=71e9bce111e9429c</Assembly>
+    <Class>Microsoft.Office.DocumentManagement.Internal.DocIdHandler</Class>
+    <Data/>
+    <Filter/>
+  </Receiver>
+  <Receiver>
+    <Name>Document ID Generator</Name>
+    <Synchronization>Synchronous</Synchronization>
+    <Type>10006</Type>
+    <SequenceNumber>1003</SequenceNumber>
+    <Url/>
+    <Assembly>Microsoft.Office.DocumentManagement, Version=15.0.0.0, Culture=neutral, PublicKeyToken=71e9bce111e9429c</Assembly>
+    <Class>Microsoft.Office.DocumentManagement.Internal.DocIdHandler</Class>
+    <Data/>
+    <Filter/>
+  </Receiver>
+</spe:Receivers>
+</file>
+
 <file path=customXml/item3.xml><?xml version="1.0" encoding="utf-8"?>
+<?mso-contentType ?>
+<FormTemplates xmlns="http://schemas.microsoft.com/sharepoint/v3/contenttype/forms">
+  <Display>DocumentLibraryForm</Display>
+  <Edit>DocumentLibraryForm</Edit>
+  <New>DocumentLibraryForm</New>
+</FormTemplates>
+</file>
+
+<file path=customXml/item4.xml><?xml version="1.0" encoding="utf-8"?>
 <p:properties xmlns:p="http://schemas.microsoft.com/office/2006/metadata/properties" xmlns:xsi="http://www.w3.org/2001/XMLSchema-instance" xmlns:pc="http://schemas.microsoft.com/office/infopath/2007/PartnerControls">
   <documentManagement>
     <g_x00fc_ltig_x0020_f_x00fc_r xmlns="845ba726-4aaa-4e93-bec4-fb020baba1ef">
@@ -20963,24 +21078,7 @@
 </p:properties>
 </file>
 
-<file path=customXml/item4.xml><?xml version="1.0" encoding="utf-8"?>
-<?mso-contentType ?>
-<FormTemplates xmlns="http://schemas.microsoft.com/sharepoint/v3/contenttype/forms">
-  <Display>DocumentLibraryForm</Display>
-  <Edit>DocumentLibraryForm</Edit>
-  <New>DocumentLibraryForm</New>
-</FormTemplates>
-</file>
-
 <file path=customXml/itemProps1.xml><?xml version="1.0" encoding="utf-8"?>
-<ds:datastoreItem xmlns:ds="http://schemas.openxmlformats.org/officeDocument/2006/customXml" ds:itemID="{B39F3F91-05D9-40EC-8D61-C01E4D263D30}">
-  <ds:schemaRefs>
-    <ds:schemaRef ds:uri="http://schemas.microsoft.com/sharepoint/events"/>
-  </ds:schemaRefs>
-</ds:datastoreItem>
-</file>
-
-<file path=customXml/itemProps2.xml><?xml version="1.0" encoding="utf-8"?>
 <ds:datastoreItem xmlns:ds="http://schemas.openxmlformats.org/officeDocument/2006/customXml" ds:itemID="{E12D1320-C39D-4CBC-A270-C99B6FCC53AA}">
   <ds:schemaRefs>
     <ds:schemaRef ds:uri="http://schemas.microsoft.com/office/2006/metadata/contentType"/>
@@ -20999,7 +21097,23 @@
 </ds:datastoreItem>
 </file>
 
+<file path=customXml/itemProps2.xml><?xml version="1.0" encoding="utf-8"?>
+<ds:datastoreItem xmlns:ds="http://schemas.openxmlformats.org/officeDocument/2006/customXml" ds:itemID="{B39F3F91-05D9-40EC-8D61-C01E4D263D30}">
+  <ds:schemaRefs>
+    <ds:schemaRef ds:uri="http://schemas.microsoft.com/sharepoint/events"/>
+  </ds:schemaRefs>
+</ds:datastoreItem>
+</file>
+
 <file path=customXml/itemProps3.xml><?xml version="1.0" encoding="utf-8"?>
+<ds:datastoreItem xmlns:ds="http://schemas.openxmlformats.org/officeDocument/2006/customXml" ds:itemID="{ED3D3A19-ED09-4DD7-9426-07D1E887650F}">
+  <ds:schemaRefs>
+    <ds:schemaRef ds:uri="http://schemas.microsoft.com/sharepoint/v3/contenttype/forms"/>
+  </ds:schemaRefs>
+</ds:datastoreItem>
+</file>
+
+<file path=customXml/itemProps4.xml><?xml version="1.0" encoding="utf-8"?>
 <ds:datastoreItem xmlns:ds="http://schemas.openxmlformats.org/officeDocument/2006/customXml" ds:itemID="{5112E12E-506B-4B86-912F-79AF41128B53}">
   <ds:schemaRefs>
     <ds:schemaRef ds:uri="http://schemas.microsoft.com/office/2006/metadata/properties"/>
@@ -21014,12 +21128,4 @@
     <ds:schemaRef ds:uri="http://purl.org/dc/dcmitype/"/>
   </ds:schemaRefs>
 </ds:datastoreItem>
-</file>
-
-<file path=customXml/itemProps4.xml><?xml version="1.0" encoding="utf-8"?>
-<ds:datastoreItem xmlns:ds="http://schemas.openxmlformats.org/officeDocument/2006/customXml" ds:itemID="{ED3D3A19-ED09-4DD7-9426-07D1E887650F}">
-  <ds:schemaRefs>
-    <ds:schemaRef ds:uri="http://schemas.microsoft.com/sharepoint/v3/contenttype/forms"/>
-  </ds:schemaRefs>
-</ds:datastoreItem>
 </file>